--- a/pres.pptx
+++ b/pres.pptx
@@ -4,13 +4,18 @@
   <p:sldMasterIdLst>
     <p:sldMasterId id="2147483648" r:id="rId1"/>
   </p:sldMasterIdLst>
+  <p:notesMasterIdLst>
+    <p:notesMasterId r:id="rId10"/>
+  </p:notesMasterIdLst>
   <p:sldIdLst>
     <p:sldId id="256" r:id="rId2"/>
     <p:sldId id="257" r:id="rId3"/>
     <p:sldId id="261" r:id="rId4"/>
     <p:sldId id="260" r:id="rId5"/>
     <p:sldId id="259" r:id="rId6"/>
-    <p:sldId id="258" r:id="rId7"/>
+    <p:sldId id="262" r:id="rId7"/>
+    <p:sldId id="263" r:id="rId8"/>
+    <p:sldId id="264" r:id="rId9"/>
   </p:sldIdLst>
   <p:sldSz cx="12192000" cy="6858000"/>
   <p:notesSz cx="6858000" cy="9144000"/>
@@ -110,6 +115,524 @@
     </a:lvl9pPr>
   </p:defaultTextStyle>
 </p:presentation>
+</file>
+
+<file path=ppt/notesMasters/notesMaster1.xml><?xml version="1.0" encoding="utf-8"?>
+<p:notesMaster xmlns:a="http://schemas.openxmlformats.org/drawingml/2006/main" xmlns:r="http://schemas.openxmlformats.org/officeDocument/2006/relationships" xmlns:p="http://schemas.openxmlformats.org/presentationml/2006/main">
+  <p:cSld>
+    <p:bg>
+      <p:bgRef idx="1001">
+        <a:schemeClr val="bg1"/>
+      </p:bgRef>
+    </p:bg>
+    <p:spTree>
+      <p:nvGrpSpPr>
+        <p:cNvPr id="1" name=""/>
+        <p:cNvGrpSpPr/>
+        <p:nvPr/>
+      </p:nvGrpSpPr>
+      <p:grpSpPr>
+        <a:xfrm>
+          <a:off x="0" y="0"/>
+          <a:ext cx="0" cy="0"/>
+          <a:chOff x="0" y="0"/>
+          <a:chExt cx="0" cy="0"/>
+        </a:xfrm>
+      </p:grpSpPr>
+      <p:sp>
+        <p:nvSpPr>
+          <p:cNvPr id="2" name="Header Placeholder 1"/>
+          <p:cNvSpPr>
+            <a:spLocks noGrp="1"/>
+          </p:cNvSpPr>
+          <p:nvPr>
+            <p:ph type="hdr" sz="quarter"/>
+          </p:nvPr>
+        </p:nvSpPr>
+        <p:spPr>
+          <a:xfrm>
+            <a:off x="0" y="0"/>
+            <a:ext cx="2971800" cy="458788"/>
+          </a:xfrm>
+          <a:prstGeom prst="rect">
+            <a:avLst/>
+          </a:prstGeom>
+        </p:spPr>
+        <p:txBody>
+          <a:bodyPr vert="horz" lIns="91440" tIns="45720" rIns="91440" bIns="45720" rtlCol="0"/>
+          <a:lstStyle>
+            <a:lvl1pPr algn="l">
+              <a:defRPr sz="1200"/>
+            </a:lvl1pPr>
+          </a:lstStyle>
+          <a:p>
+            <a:endParaRPr lang="en-US"/>
+          </a:p>
+        </p:txBody>
+      </p:sp>
+      <p:sp>
+        <p:nvSpPr>
+          <p:cNvPr id="3" name="Date Placeholder 2"/>
+          <p:cNvSpPr>
+            <a:spLocks noGrp="1"/>
+          </p:cNvSpPr>
+          <p:nvPr>
+            <p:ph type="dt" idx="1"/>
+          </p:nvPr>
+        </p:nvSpPr>
+        <p:spPr>
+          <a:xfrm>
+            <a:off x="3884613" y="0"/>
+            <a:ext cx="2971800" cy="458788"/>
+          </a:xfrm>
+          <a:prstGeom prst="rect">
+            <a:avLst/>
+          </a:prstGeom>
+        </p:spPr>
+        <p:txBody>
+          <a:bodyPr vert="horz" lIns="91440" tIns="45720" rIns="91440" bIns="45720" rtlCol="0"/>
+          <a:lstStyle>
+            <a:lvl1pPr algn="r">
+              <a:defRPr sz="1200"/>
+            </a:lvl1pPr>
+          </a:lstStyle>
+          <a:p>
+            <a:fld id="{350D700E-1A4F-EC48-B689-1003C62E95A0}" type="datetimeFigureOut">
+              <a:rPr lang="en-US" smtClean="0"/>
+              <a:t>9/22/20</a:t>
+            </a:fld>
+            <a:endParaRPr lang="en-US"/>
+          </a:p>
+        </p:txBody>
+      </p:sp>
+      <p:sp>
+        <p:nvSpPr>
+          <p:cNvPr id="4" name="Slide Image Placeholder 3"/>
+          <p:cNvSpPr>
+            <a:spLocks noGrp="1" noRot="1" noChangeAspect="1"/>
+          </p:cNvSpPr>
+          <p:nvPr>
+            <p:ph type="sldImg" idx="2"/>
+          </p:nvPr>
+        </p:nvSpPr>
+        <p:spPr>
+          <a:xfrm>
+            <a:off x="685800" y="1143000"/>
+            <a:ext cx="5486400" cy="3086100"/>
+          </a:xfrm>
+          <a:prstGeom prst="rect">
+            <a:avLst/>
+          </a:prstGeom>
+          <a:noFill/>
+          <a:ln w="12700">
+            <a:solidFill>
+              <a:prstClr val="black"/>
+            </a:solidFill>
+          </a:ln>
+        </p:spPr>
+        <p:txBody>
+          <a:bodyPr vert="horz" lIns="91440" tIns="45720" rIns="91440" bIns="45720" rtlCol="0" anchor="ctr"/>
+          <a:lstStyle/>
+          <a:p>
+            <a:endParaRPr lang="en-US"/>
+          </a:p>
+        </p:txBody>
+      </p:sp>
+      <p:sp>
+        <p:nvSpPr>
+          <p:cNvPr id="5" name="Notes Placeholder 4"/>
+          <p:cNvSpPr>
+            <a:spLocks noGrp="1"/>
+          </p:cNvSpPr>
+          <p:nvPr>
+            <p:ph type="body" sz="quarter" idx="3"/>
+          </p:nvPr>
+        </p:nvSpPr>
+        <p:spPr>
+          <a:xfrm>
+            <a:off x="685800" y="4400550"/>
+            <a:ext cx="5486400" cy="3600450"/>
+          </a:xfrm>
+          <a:prstGeom prst="rect">
+            <a:avLst/>
+          </a:prstGeom>
+        </p:spPr>
+        <p:txBody>
+          <a:bodyPr vert="horz" lIns="91440" tIns="45720" rIns="91440" bIns="45720" rtlCol="0"/>
+          <a:lstStyle/>
+          <a:p>
+            <a:pPr lvl="0"/>
+            <a:r>
+              <a:rPr lang="en-GB"/>
+              <a:t>Click to edit Master text styles</a:t>
+            </a:r>
+          </a:p>
+          <a:p>
+            <a:pPr lvl="1"/>
+            <a:r>
+              <a:rPr lang="en-GB"/>
+              <a:t>Second level</a:t>
+            </a:r>
+          </a:p>
+          <a:p>
+            <a:pPr lvl="2"/>
+            <a:r>
+              <a:rPr lang="en-GB"/>
+              <a:t>Third level</a:t>
+            </a:r>
+          </a:p>
+          <a:p>
+            <a:pPr lvl="3"/>
+            <a:r>
+              <a:rPr lang="en-GB"/>
+              <a:t>Fourth level</a:t>
+            </a:r>
+          </a:p>
+          <a:p>
+            <a:pPr lvl="4"/>
+            <a:r>
+              <a:rPr lang="en-GB"/>
+              <a:t>Fifth level</a:t>
+            </a:r>
+            <a:endParaRPr lang="en-US"/>
+          </a:p>
+        </p:txBody>
+      </p:sp>
+      <p:sp>
+        <p:nvSpPr>
+          <p:cNvPr id="6" name="Footer Placeholder 5"/>
+          <p:cNvSpPr>
+            <a:spLocks noGrp="1"/>
+          </p:cNvSpPr>
+          <p:nvPr>
+            <p:ph type="ftr" sz="quarter" idx="4"/>
+          </p:nvPr>
+        </p:nvSpPr>
+        <p:spPr>
+          <a:xfrm>
+            <a:off x="0" y="8685213"/>
+            <a:ext cx="2971800" cy="458787"/>
+          </a:xfrm>
+          <a:prstGeom prst="rect">
+            <a:avLst/>
+          </a:prstGeom>
+        </p:spPr>
+        <p:txBody>
+          <a:bodyPr vert="horz" lIns="91440" tIns="45720" rIns="91440" bIns="45720" rtlCol="0" anchor="b"/>
+          <a:lstStyle>
+            <a:lvl1pPr algn="l">
+              <a:defRPr sz="1200"/>
+            </a:lvl1pPr>
+          </a:lstStyle>
+          <a:p>
+            <a:endParaRPr lang="en-US"/>
+          </a:p>
+        </p:txBody>
+      </p:sp>
+      <p:sp>
+        <p:nvSpPr>
+          <p:cNvPr id="7" name="Slide Number Placeholder 6"/>
+          <p:cNvSpPr>
+            <a:spLocks noGrp="1"/>
+          </p:cNvSpPr>
+          <p:nvPr>
+            <p:ph type="sldNum" sz="quarter" idx="5"/>
+          </p:nvPr>
+        </p:nvSpPr>
+        <p:spPr>
+          <a:xfrm>
+            <a:off x="3884613" y="8685213"/>
+            <a:ext cx="2971800" cy="458787"/>
+          </a:xfrm>
+          <a:prstGeom prst="rect">
+            <a:avLst/>
+          </a:prstGeom>
+        </p:spPr>
+        <p:txBody>
+          <a:bodyPr vert="horz" lIns="91440" tIns="45720" rIns="91440" bIns="45720" rtlCol="0" anchor="b"/>
+          <a:lstStyle>
+            <a:lvl1pPr algn="r">
+              <a:defRPr sz="1200"/>
+            </a:lvl1pPr>
+          </a:lstStyle>
+          <a:p>
+            <a:fld id="{294DB388-786B-8940-B233-BE8E59D78A73}" type="slidenum">
+              <a:rPr lang="en-US" smtClean="0"/>
+              <a:t>‹#›</a:t>
+            </a:fld>
+            <a:endParaRPr lang="en-US"/>
+          </a:p>
+        </p:txBody>
+      </p:sp>
+    </p:spTree>
+    <p:extLst>
+      <p:ext uri="{BB962C8B-B14F-4D97-AF65-F5344CB8AC3E}">
+        <p14:creationId xmlns:p14="http://schemas.microsoft.com/office/powerpoint/2010/main" val="2838498108"/>
+      </p:ext>
+    </p:extLst>
+  </p:cSld>
+  <p:clrMap bg1="lt1" tx1="dk1" bg2="lt2" tx2="dk2" accent1="accent1" accent2="accent2" accent3="accent3" accent4="accent4" accent5="accent5" accent6="accent6" hlink="hlink" folHlink="folHlink"/>
+  <p:notesStyle>
+    <a:lvl1pPr marL="0" algn="l" defTabSz="914400" rtl="0" eaLnBrk="1" latinLnBrk="0" hangingPunct="1">
+      <a:defRPr sz="1200" kern="1200">
+        <a:solidFill>
+          <a:schemeClr val="tx1"/>
+        </a:solidFill>
+        <a:latin typeface="+mn-lt"/>
+        <a:ea typeface="+mn-ea"/>
+        <a:cs typeface="+mn-cs"/>
+      </a:defRPr>
+    </a:lvl1pPr>
+    <a:lvl2pPr marL="457200" algn="l" defTabSz="914400" rtl="0" eaLnBrk="1" latinLnBrk="0" hangingPunct="1">
+      <a:defRPr sz="1200" kern="1200">
+        <a:solidFill>
+          <a:schemeClr val="tx1"/>
+        </a:solidFill>
+        <a:latin typeface="+mn-lt"/>
+        <a:ea typeface="+mn-ea"/>
+        <a:cs typeface="+mn-cs"/>
+      </a:defRPr>
+    </a:lvl2pPr>
+    <a:lvl3pPr marL="914400" algn="l" defTabSz="914400" rtl="0" eaLnBrk="1" latinLnBrk="0" hangingPunct="1">
+      <a:defRPr sz="1200" kern="1200">
+        <a:solidFill>
+          <a:schemeClr val="tx1"/>
+        </a:solidFill>
+        <a:latin typeface="+mn-lt"/>
+        <a:ea typeface="+mn-ea"/>
+        <a:cs typeface="+mn-cs"/>
+      </a:defRPr>
+    </a:lvl3pPr>
+    <a:lvl4pPr marL="1371600" algn="l" defTabSz="914400" rtl="0" eaLnBrk="1" latinLnBrk="0" hangingPunct="1">
+      <a:defRPr sz="1200" kern="1200">
+        <a:solidFill>
+          <a:schemeClr val="tx1"/>
+        </a:solidFill>
+        <a:latin typeface="+mn-lt"/>
+        <a:ea typeface="+mn-ea"/>
+        <a:cs typeface="+mn-cs"/>
+      </a:defRPr>
+    </a:lvl4pPr>
+    <a:lvl5pPr marL="1828800" algn="l" defTabSz="914400" rtl="0" eaLnBrk="1" latinLnBrk="0" hangingPunct="1">
+      <a:defRPr sz="1200" kern="1200">
+        <a:solidFill>
+          <a:schemeClr val="tx1"/>
+        </a:solidFill>
+        <a:latin typeface="+mn-lt"/>
+        <a:ea typeface="+mn-ea"/>
+        <a:cs typeface="+mn-cs"/>
+      </a:defRPr>
+    </a:lvl5pPr>
+    <a:lvl6pPr marL="2286000" algn="l" defTabSz="914400" rtl="0" eaLnBrk="1" latinLnBrk="0" hangingPunct="1">
+      <a:defRPr sz="1200" kern="1200">
+        <a:solidFill>
+          <a:schemeClr val="tx1"/>
+        </a:solidFill>
+        <a:latin typeface="+mn-lt"/>
+        <a:ea typeface="+mn-ea"/>
+        <a:cs typeface="+mn-cs"/>
+      </a:defRPr>
+    </a:lvl6pPr>
+    <a:lvl7pPr marL="2743200" algn="l" defTabSz="914400" rtl="0" eaLnBrk="1" latinLnBrk="0" hangingPunct="1">
+      <a:defRPr sz="1200" kern="1200">
+        <a:solidFill>
+          <a:schemeClr val="tx1"/>
+        </a:solidFill>
+        <a:latin typeface="+mn-lt"/>
+        <a:ea typeface="+mn-ea"/>
+        <a:cs typeface="+mn-cs"/>
+      </a:defRPr>
+    </a:lvl7pPr>
+    <a:lvl8pPr marL="3200400" algn="l" defTabSz="914400" rtl="0" eaLnBrk="1" latinLnBrk="0" hangingPunct="1">
+      <a:defRPr sz="1200" kern="1200">
+        <a:solidFill>
+          <a:schemeClr val="tx1"/>
+        </a:solidFill>
+        <a:latin typeface="+mn-lt"/>
+        <a:ea typeface="+mn-ea"/>
+        <a:cs typeface="+mn-cs"/>
+      </a:defRPr>
+    </a:lvl8pPr>
+    <a:lvl9pPr marL="3657600" algn="l" defTabSz="914400" rtl="0" eaLnBrk="1" latinLnBrk="0" hangingPunct="1">
+      <a:defRPr sz="1200" kern="1200">
+        <a:solidFill>
+          <a:schemeClr val="tx1"/>
+        </a:solidFill>
+        <a:latin typeface="+mn-lt"/>
+        <a:ea typeface="+mn-ea"/>
+        <a:cs typeface="+mn-cs"/>
+      </a:defRPr>
+    </a:lvl9pPr>
+  </p:notesStyle>
+</p:notesMaster>
+</file>
+
+<file path=ppt/notesSlides/notesSlide1.xml><?xml version="1.0" encoding="utf-8"?>
+<p:notes xmlns:a="http://schemas.openxmlformats.org/drawingml/2006/main" xmlns:r="http://schemas.openxmlformats.org/officeDocument/2006/relationships" xmlns:p="http://schemas.openxmlformats.org/presentationml/2006/main">
+  <p:cSld>
+    <p:spTree>
+      <p:nvGrpSpPr>
+        <p:cNvPr id="1" name=""/>
+        <p:cNvGrpSpPr/>
+        <p:nvPr/>
+      </p:nvGrpSpPr>
+      <p:grpSpPr>
+        <a:xfrm>
+          <a:off x="0" y="0"/>
+          <a:ext cx="0" cy="0"/>
+          <a:chOff x="0" y="0"/>
+          <a:chExt cx="0" cy="0"/>
+        </a:xfrm>
+      </p:grpSpPr>
+      <p:sp>
+        <p:nvSpPr>
+          <p:cNvPr id="2" name="Slide Image Placeholder 1"/>
+          <p:cNvSpPr>
+            <a:spLocks noGrp="1" noRot="1" noChangeAspect="1"/>
+          </p:cNvSpPr>
+          <p:nvPr>
+            <p:ph type="sldImg"/>
+          </p:nvPr>
+        </p:nvSpPr>
+        <p:spPr/>
+      </p:sp>
+      <p:sp>
+        <p:nvSpPr>
+          <p:cNvPr id="3" name="Notes Placeholder 2"/>
+          <p:cNvSpPr>
+            <a:spLocks noGrp="1"/>
+          </p:cNvSpPr>
+          <p:nvPr>
+            <p:ph type="body" idx="1"/>
+          </p:nvPr>
+        </p:nvSpPr>
+        <p:spPr/>
+        <p:txBody>
+          <a:bodyPr/>
+          <a:lstStyle/>
+          <a:p>
+            <a:endParaRPr lang="en-US" dirty="0"/>
+          </a:p>
+        </p:txBody>
+      </p:sp>
+      <p:sp>
+        <p:nvSpPr>
+          <p:cNvPr id="4" name="Slide Number Placeholder 3"/>
+          <p:cNvSpPr>
+            <a:spLocks noGrp="1"/>
+          </p:cNvSpPr>
+          <p:nvPr>
+            <p:ph type="sldNum" sz="quarter" idx="5"/>
+          </p:nvPr>
+        </p:nvSpPr>
+        <p:spPr/>
+        <p:txBody>
+          <a:bodyPr/>
+          <a:lstStyle/>
+          <a:p>
+            <a:fld id="{294DB388-786B-8940-B233-BE8E59D78A73}" type="slidenum">
+              <a:rPr lang="en-US" smtClean="0"/>
+              <a:t>7</a:t>
+            </a:fld>
+            <a:endParaRPr lang="en-US"/>
+          </a:p>
+        </p:txBody>
+      </p:sp>
+    </p:spTree>
+    <p:extLst>
+      <p:ext uri="{BB962C8B-B14F-4D97-AF65-F5344CB8AC3E}">
+        <p14:creationId xmlns:p14="http://schemas.microsoft.com/office/powerpoint/2010/main" val="1465824074"/>
+      </p:ext>
+    </p:extLst>
+  </p:cSld>
+  <p:clrMapOvr>
+    <a:masterClrMapping/>
+  </p:clrMapOvr>
+</p:notes>
+</file>
+
+<file path=ppt/notesSlides/notesSlide2.xml><?xml version="1.0" encoding="utf-8"?>
+<p:notes xmlns:a="http://schemas.openxmlformats.org/drawingml/2006/main" xmlns:r="http://schemas.openxmlformats.org/officeDocument/2006/relationships" xmlns:p="http://schemas.openxmlformats.org/presentationml/2006/main">
+  <p:cSld>
+    <p:spTree>
+      <p:nvGrpSpPr>
+        <p:cNvPr id="1" name=""/>
+        <p:cNvGrpSpPr/>
+        <p:nvPr/>
+      </p:nvGrpSpPr>
+      <p:grpSpPr>
+        <a:xfrm>
+          <a:off x="0" y="0"/>
+          <a:ext cx="0" cy="0"/>
+          <a:chOff x="0" y="0"/>
+          <a:chExt cx="0" cy="0"/>
+        </a:xfrm>
+      </p:grpSpPr>
+      <p:sp>
+        <p:nvSpPr>
+          <p:cNvPr id="2" name="Slide Image Placeholder 1"/>
+          <p:cNvSpPr>
+            <a:spLocks noGrp="1" noRot="1" noChangeAspect="1"/>
+          </p:cNvSpPr>
+          <p:nvPr>
+            <p:ph type="sldImg"/>
+          </p:nvPr>
+        </p:nvSpPr>
+        <p:spPr/>
+      </p:sp>
+      <p:sp>
+        <p:nvSpPr>
+          <p:cNvPr id="3" name="Notes Placeholder 2"/>
+          <p:cNvSpPr>
+            <a:spLocks noGrp="1"/>
+          </p:cNvSpPr>
+          <p:nvPr>
+            <p:ph type="body" idx="1"/>
+          </p:nvPr>
+        </p:nvSpPr>
+        <p:spPr/>
+        <p:txBody>
+          <a:bodyPr/>
+          <a:lstStyle/>
+          <a:p>
+            <a:endParaRPr lang="en-US" dirty="0"/>
+          </a:p>
+        </p:txBody>
+      </p:sp>
+      <p:sp>
+        <p:nvSpPr>
+          <p:cNvPr id="4" name="Slide Number Placeholder 3"/>
+          <p:cNvSpPr>
+            <a:spLocks noGrp="1"/>
+          </p:cNvSpPr>
+          <p:nvPr>
+            <p:ph type="sldNum" sz="quarter" idx="5"/>
+          </p:nvPr>
+        </p:nvSpPr>
+        <p:spPr/>
+        <p:txBody>
+          <a:bodyPr/>
+          <a:lstStyle/>
+          <a:p>
+            <a:fld id="{294DB388-786B-8940-B233-BE8E59D78A73}" type="slidenum">
+              <a:rPr lang="en-US" smtClean="0"/>
+              <a:t>8</a:t>
+            </a:fld>
+            <a:endParaRPr lang="en-US"/>
+          </a:p>
+        </p:txBody>
+      </p:sp>
+    </p:spTree>
+    <p:extLst>
+      <p:ext uri="{BB962C8B-B14F-4D97-AF65-F5344CB8AC3E}">
+        <p14:creationId xmlns:p14="http://schemas.microsoft.com/office/powerpoint/2010/main" val="1972031"/>
+      </p:ext>
+    </p:extLst>
+  </p:cSld>
+  <p:clrMapOvr>
+    <a:masterClrMapping/>
+  </p:clrMapOvr>
+</p:notes>
 </file>
 
 <file path=ppt/slideLayouts/slideLayout1.xml><?xml version="1.0" encoding="utf-8"?>
@@ -3507,36 +4030,46 @@
             <a:r>
               <a:rPr lang="en-US" dirty="0">
                 <a:solidFill>
+                  <a:srgbClr val="92D050"/>
+                </a:solidFill>
+              </a:rPr>
+              <a:t>Problem?</a:t>
+            </a:r>
+          </a:p>
+        </p:txBody>
+      </p:sp>
+      <p:sp>
+        <p:nvSpPr>
+          <p:cNvPr id="3" name="Content Placeholder 2">
+            <a:extLst>
+              <a:ext uri="{FF2B5EF4-FFF2-40B4-BE49-F238E27FC236}">
+                <a16:creationId xmlns:a16="http://schemas.microsoft.com/office/drawing/2014/main" id="{D30DC234-3A33-CC4B-A0A0-3FE6258D3D2D}"/>
+              </a:ext>
+            </a:extLst>
+          </p:cNvPr>
+          <p:cNvSpPr>
+            <a:spLocks noGrp="1"/>
+          </p:cNvSpPr>
+          <p:nvPr>
+            <p:ph idx="1"/>
+          </p:nvPr>
+        </p:nvSpPr>
+        <p:spPr>
+          <a:noFill/>
+        </p:spPr>
+        <p:txBody>
+          <a:bodyPr/>
+          <a:lstStyle/>
+          <a:p>
+            <a:r>
+              <a:rPr lang="en-AU" dirty="0">
+                <a:solidFill>
                   <a:schemeClr val="bg1"/>
                 </a:solidFill>
               </a:rPr>
-              <a:t>Problem?</a:t>
-            </a:r>
-          </a:p>
-        </p:txBody>
-      </p:sp>
-      <p:sp>
-        <p:nvSpPr>
-          <p:cNvPr id="3" name="Content Placeholder 2">
-            <a:extLst>
-              <a:ext uri="{FF2B5EF4-FFF2-40B4-BE49-F238E27FC236}">
-                <a16:creationId xmlns:a16="http://schemas.microsoft.com/office/drawing/2014/main" id="{D30DC234-3A33-CC4B-A0A0-3FE6258D3D2D}"/>
-              </a:ext>
-            </a:extLst>
-          </p:cNvPr>
-          <p:cNvSpPr>
-            <a:spLocks noGrp="1"/>
-          </p:cNvSpPr>
-          <p:nvPr>
-            <p:ph idx="1"/>
-          </p:nvPr>
-        </p:nvSpPr>
-        <p:spPr>
-          <a:noFill/>
-        </p:spPr>
-        <p:txBody>
-          <a:bodyPr/>
-          <a:lstStyle/>
+              <a:t>Reading through Medium? The News? Other Articles? Ads getting in the way, or you simply do not have time to sit and read the whole thing? ReadMe is the article reading service you need. By inputting the URL the audio will be output ready to listen. </a:t>
+            </a:r>
+          </a:p>
           <a:p>
             <a:endParaRPr lang="en-US" dirty="0">
               <a:solidFill>
@@ -3639,6 +4172,16 @@
           <a:bodyPr/>
           <a:lstStyle/>
           <a:p>
+            <a:r>
+              <a:rPr lang="en-AU" dirty="0">
+                <a:solidFill>
+                  <a:schemeClr val="bg1"/>
+                </a:solidFill>
+              </a:rPr>
+              <a:t>ReadMe is an 'article reading service' in which a user inputs a link to an article and ReadMe website converts the text from the article to audio and outputs a file that can either be downloaded or streamed directly from the site.</a:t>
+            </a:r>
+          </a:p>
+          <a:p>
             <a:endParaRPr lang="en-US" dirty="0">
               <a:solidFill>
                 <a:schemeClr val="bg1"/>
@@ -3712,7 +4255,7 @@
                   <a:schemeClr val="bg1"/>
                 </a:solidFill>
               </a:rPr>
-              <a:t>Implementation</a:t>
+              <a:t>How it Works?</a:t>
             </a:r>
           </a:p>
         </p:txBody>
@@ -3737,8 +4280,106 @@
           <a:noFill/>
         </p:spPr>
         <p:txBody>
-          <a:bodyPr/>
-          <a:lstStyle/>
+          <a:bodyPr>
+            <a:normAutofit fontScale="92500" lnSpcReduction="20000"/>
+          </a:bodyPr>
+          <a:lstStyle/>
+          <a:p>
+            <a:r>
+              <a:rPr lang="en-AU" dirty="0">
+                <a:solidFill>
+                  <a:schemeClr val="bg1"/>
+                </a:solidFill>
+              </a:rPr>
+              <a:t>- User can input a URL into the search </a:t>
+            </a:r>
+          </a:p>
+          <a:p>
+            <a:r>
+              <a:rPr lang="en-AU" dirty="0">
+                <a:solidFill>
+                  <a:schemeClr val="bg1"/>
+                </a:solidFill>
+              </a:rPr>
+              <a:t>- When loading a loading bar will appear</a:t>
+            </a:r>
+          </a:p>
+          <a:p>
+            <a:r>
+              <a:rPr lang="en-AU" dirty="0">
+                <a:solidFill>
+                  <a:schemeClr val="bg1"/>
+                </a:solidFill>
+              </a:rPr>
+              <a:t>- </a:t>
+            </a:r>
+            <a:r>
+              <a:rPr lang="en-AU" dirty="0" err="1">
+                <a:solidFill>
+                  <a:schemeClr val="bg1"/>
+                </a:solidFill>
+              </a:rPr>
+              <a:t>Axios</a:t>
+            </a:r>
+            <a:r>
+              <a:rPr lang="en-AU" dirty="0">
+                <a:solidFill>
+                  <a:schemeClr val="bg1"/>
+                </a:solidFill>
+              </a:rPr>
+              <a:t> will then get the URL</a:t>
+            </a:r>
+          </a:p>
+          <a:p>
+            <a:r>
+              <a:rPr lang="en-AU" dirty="0">
+                <a:solidFill>
+                  <a:schemeClr val="bg1"/>
+                </a:solidFill>
+              </a:rPr>
+              <a:t>- Cheerio will scrape the article headings and text from the page and input them into a variable (trimmed to 2999 characters due to free limits on AWS)</a:t>
+            </a:r>
+          </a:p>
+          <a:p>
+            <a:r>
+              <a:rPr lang="en-AU" dirty="0">
+                <a:solidFill>
+                  <a:schemeClr val="bg1"/>
+                </a:solidFill>
+              </a:rPr>
+              <a:t>- Using parameters given (including the text) Amazon Polly will then Synthesize the text into the HTML Audio player for output</a:t>
+            </a:r>
+          </a:p>
+          <a:p>
+            <a:r>
+              <a:rPr lang="en-AU" dirty="0">
+                <a:solidFill>
+                  <a:schemeClr val="bg1"/>
+                </a:solidFill>
+              </a:rPr>
+              <a:t>- Amazon Polly will also process the URL into a clickable link</a:t>
+            </a:r>
+          </a:p>
+          <a:p>
+            <a:r>
+              <a:rPr lang="en-AU" dirty="0">
+                <a:solidFill>
+                  <a:schemeClr val="bg1"/>
+                </a:solidFill>
+              </a:rPr>
+              <a:t>- The Article Title Will Output for reference</a:t>
+            </a:r>
+          </a:p>
+          <a:p>
+            <a:r>
+              <a:rPr lang="en-AU" dirty="0">
+                <a:solidFill>
+                  <a:schemeClr val="bg1"/>
+                </a:solidFill>
+              </a:rPr>
+              <a:t>- Notification for ready to play</a:t>
+            </a:r>
+          </a:p>
           <a:p>
             <a:endParaRPr lang="en-US" dirty="0">
               <a:solidFill>
@@ -3808,39 +4449,13 @@
           <a:lstStyle/>
           <a:p>
             <a:r>
-              <a:rPr lang="en-US" dirty="0">
+              <a:rPr lang="en-US">
                 <a:solidFill>
                   <a:schemeClr val="bg1"/>
                 </a:solidFill>
               </a:rPr>
               <a:t>Code Snippets</a:t>
             </a:r>
-          </a:p>
-        </p:txBody>
-      </p:sp>
-      <p:sp>
-        <p:nvSpPr>
-          <p:cNvPr id="3" name="Content Placeholder 2">
-            <a:extLst>
-              <a:ext uri="{FF2B5EF4-FFF2-40B4-BE49-F238E27FC236}">
-                <a16:creationId xmlns:a16="http://schemas.microsoft.com/office/drawing/2014/main" id="{D30DC234-3A33-CC4B-A0A0-3FE6258D3D2D}"/>
-              </a:ext>
-            </a:extLst>
-          </p:cNvPr>
-          <p:cNvSpPr>
-            <a:spLocks noGrp="1"/>
-          </p:cNvSpPr>
-          <p:nvPr>
-            <p:ph idx="1"/>
-          </p:nvPr>
-        </p:nvSpPr>
-        <p:spPr>
-          <a:noFill/>
-        </p:spPr>
-        <p:txBody>
-          <a:bodyPr/>
-          <a:lstStyle/>
-          <a:p>
             <a:endParaRPr lang="en-US" dirty="0">
               <a:solidFill>
                 <a:schemeClr val="bg1"/>
@@ -3849,6 +4464,97 @@
           </a:p>
         </p:txBody>
       </p:sp>
+      <p:pic>
+        <p:nvPicPr>
+          <p:cNvPr id="5" name="Content Placeholder 4" descr="A screenshot of a cell phone&#10;&#10;Description automatically generated">
+            <a:extLst>
+              <a:ext uri="{FF2B5EF4-FFF2-40B4-BE49-F238E27FC236}">
+                <a16:creationId xmlns:a16="http://schemas.microsoft.com/office/drawing/2014/main" id="{2272E13F-7F07-5045-8B5A-EDD4BBE26F6E}"/>
+              </a:ext>
+            </a:extLst>
+          </p:cNvPr>
+          <p:cNvPicPr>
+            <a:picLocks noGrp="1" noChangeAspect="1"/>
+          </p:cNvPicPr>
+          <p:nvPr>
+            <p:ph idx="1"/>
+          </p:nvPr>
+        </p:nvPicPr>
+        <p:blipFill>
+          <a:blip r:embed="rId2"/>
+          <a:stretch>
+            <a:fillRect/>
+          </a:stretch>
+        </p:blipFill>
+        <p:spPr>
+          <a:xfrm>
+            <a:off x="415156" y="1331796"/>
+            <a:ext cx="4995543" cy="2697593"/>
+          </a:xfrm>
+          <a:noFill/>
+        </p:spPr>
+      </p:pic>
+      <p:pic>
+        <p:nvPicPr>
+          <p:cNvPr id="7" name="Picture 6" descr="A picture containing screenshot, screen, holding, player&#10;&#10;Description automatically generated">
+            <a:extLst>
+              <a:ext uri="{FF2B5EF4-FFF2-40B4-BE49-F238E27FC236}">
+                <a16:creationId xmlns:a16="http://schemas.microsoft.com/office/drawing/2014/main" id="{605EBFA1-0072-8D43-B84A-3116155F7B08}"/>
+              </a:ext>
+            </a:extLst>
+          </p:cNvPr>
+          <p:cNvPicPr>
+            <a:picLocks noChangeAspect="1"/>
+          </p:cNvPicPr>
+          <p:nvPr/>
+        </p:nvPicPr>
+        <p:blipFill>
+          <a:blip r:embed="rId3"/>
+          <a:stretch>
+            <a:fillRect/>
+          </a:stretch>
+        </p:blipFill>
+        <p:spPr>
+          <a:xfrm>
+            <a:off x="479083" y="4705305"/>
+            <a:ext cx="4935966" cy="1933343"/>
+          </a:xfrm>
+          <a:prstGeom prst="rect">
+            <a:avLst/>
+          </a:prstGeom>
+        </p:spPr>
+      </p:pic>
+      <p:pic>
+        <p:nvPicPr>
+          <p:cNvPr id="10" name="Content Placeholder 4" descr="A screenshot of a cell phone&#10;&#10;Description automatically generated">
+            <a:extLst>
+              <a:ext uri="{FF2B5EF4-FFF2-40B4-BE49-F238E27FC236}">
+                <a16:creationId xmlns:a16="http://schemas.microsoft.com/office/drawing/2014/main" id="{87EAEC0D-50F3-F44B-BC53-178D6390CE7E}"/>
+              </a:ext>
+            </a:extLst>
+          </p:cNvPr>
+          <p:cNvPicPr>
+            <a:picLocks noChangeAspect="1"/>
+          </p:cNvPicPr>
+          <p:nvPr/>
+        </p:nvPicPr>
+        <p:blipFill>
+          <a:blip r:embed="rId4"/>
+          <a:stretch>
+            <a:fillRect/>
+          </a:stretch>
+        </p:blipFill>
+        <p:spPr>
+          <a:xfrm>
+            <a:off x="5935227" y="365125"/>
+            <a:ext cx="5988818" cy="5825784"/>
+          </a:xfrm>
+          <a:prstGeom prst="rect">
+            <a:avLst/>
+          </a:prstGeom>
+          <a:noFill/>
+        </p:spPr>
+      </p:pic>
     </p:spTree>
     <p:extLst>
       <p:ext uri="{BB962C8B-B14F-4D97-AF65-F5344CB8AC3E}">
@@ -3909,6 +4615,172 @@
           <a:lstStyle/>
           <a:p>
             <a:r>
+              <a:rPr lang="en-US">
+                <a:solidFill>
+                  <a:schemeClr val="bg1"/>
+                </a:solidFill>
+              </a:rPr>
+              <a:t>Code Snippets</a:t>
+            </a:r>
+            <a:endParaRPr lang="en-US" dirty="0">
+              <a:solidFill>
+                <a:schemeClr val="bg1"/>
+              </a:solidFill>
+            </a:endParaRPr>
+          </a:p>
+        </p:txBody>
+      </p:sp>
+      <p:pic>
+        <p:nvPicPr>
+          <p:cNvPr id="7" name="Picture 6" descr="A screenshot of a cell phone&#10;&#10;Description automatically generated">
+            <a:extLst>
+              <a:ext uri="{FF2B5EF4-FFF2-40B4-BE49-F238E27FC236}">
+                <a16:creationId xmlns:a16="http://schemas.microsoft.com/office/drawing/2014/main" id="{B334A4DB-7BE6-7741-834D-515B5FFFAD28}"/>
+              </a:ext>
+            </a:extLst>
+          </p:cNvPr>
+          <p:cNvPicPr>
+            <a:picLocks noChangeAspect="1"/>
+          </p:cNvPicPr>
+          <p:nvPr/>
+        </p:nvPicPr>
+        <p:blipFill>
+          <a:blip r:embed="rId2"/>
+          <a:stretch>
+            <a:fillRect/>
+          </a:stretch>
+        </p:blipFill>
+        <p:spPr>
+          <a:xfrm>
+            <a:off x="214255" y="1374470"/>
+            <a:ext cx="5819740" cy="2926309"/>
+          </a:xfrm>
+          <a:prstGeom prst="rect">
+            <a:avLst/>
+          </a:prstGeom>
+        </p:spPr>
+      </p:pic>
+      <p:pic>
+        <p:nvPicPr>
+          <p:cNvPr id="9" name="Picture 8" descr="A screenshot of a cell phone&#10;&#10;Description automatically generated">
+            <a:extLst>
+              <a:ext uri="{FF2B5EF4-FFF2-40B4-BE49-F238E27FC236}">
+                <a16:creationId xmlns:a16="http://schemas.microsoft.com/office/drawing/2014/main" id="{6D9CD1D5-15AF-8B4A-A022-4F90E66F8D5B}"/>
+              </a:ext>
+            </a:extLst>
+          </p:cNvPr>
+          <p:cNvPicPr>
+            <a:picLocks noChangeAspect="1"/>
+          </p:cNvPicPr>
+          <p:nvPr/>
+        </p:nvPicPr>
+        <p:blipFill>
+          <a:blip r:embed="rId3"/>
+          <a:stretch>
+            <a:fillRect/>
+          </a:stretch>
+        </p:blipFill>
+        <p:spPr>
+          <a:xfrm>
+            <a:off x="6096000" y="109289"/>
+            <a:ext cx="5881745" cy="4592353"/>
+          </a:xfrm>
+          <a:prstGeom prst="rect">
+            <a:avLst/>
+          </a:prstGeom>
+        </p:spPr>
+      </p:pic>
+      <p:pic>
+        <p:nvPicPr>
+          <p:cNvPr id="12" name="Content Placeholder 4" descr="A screenshot of a cell phone&#10;&#10;Description automatically generated">
+            <a:extLst>
+              <a:ext uri="{FF2B5EF4-FFF2-40B4-BE49-F238E27FC236}">
+                <a16:creationId xmlns:a16="http://schemas.microsoft.com/office/drawing/2014/main" id="{B9931687-A52B-034B-BEF4-1A28E0831DD7}"/>
+              </a:ext>
+            </a:extLst>
+          </p:cNvPr>
+          <p:cNvPicPr>
+            <a:picLocks noChangeAspect="1"/>
+          </p:cNvPicPr>
+          <p:nvPr/>
+        </p:nvPicPr>
+        <p:blipFill>
+          <a:blip r:embed="rId4"/>
+          <a:stretch>
+            <a:fillRect/>
+          </a:stretch>
+        </p:blipFill>
+        <p:spPr>
+          <a:xfrm>
+            <a:off x="278392" y="4326209"/>
+            <a:ext cx="5786605" cy="2314642"/>
+          </a:xfrm>
+          <a:prstGeom prst="rect">
+            <a:avLst/>
+          </a:prstGeom>
+          <a:noFill/>
+        </p:spPr>
+      </p:pic>
+    </p:spTree>
+    <p:extLst>
+      <p:ext uri="{BB962C8B-B14F-4D97-AF65-F5344CB8AC3E}">
+        <p14:creationId xmlns:p14="http://schemas.microsoft.com/office/powerpoint/2010/main" val="706226730"/>
+      </p:ext>
+    </p:extLst>
+  </p:cSld>
+  <p:clrMapOvr>
+    <a:masterClrMapping/>
+  </p:clrMapOvr>
+</p:sld>
+</file>
+
+<file path=ppt/slides/slide7.xml><?xml version="1.0" encoding="utf-8"?>
+<p:sld xmlns:a="http://schemas.openxmlformats.org/drawingml/2006/main" xmlns:r="http://schemas.openxmlformats.org/officeDocument/2006/relationships" xmlns:p="http://schemas.openxmlformats.org/presentationml/2006/main">
+  <p:cSld>
+    <p:bg>
+      <p:bgPr>
+        <a:solidFill>
+          <a:schemeClr val="tx1"/>
+        </a:solidFill>
+        <a:effectLst/>
+      </p:bgPr>
+    </p:bg>
+    <p:spTree>
+      <p:nvGrpSpPr>
+        <p:cNvPr id="1" name=""/>
+        <p:cNvGrpSpPr/>
+        <p:nvPr/>
+      </p:nvGrpSpPr>
+      <p:grpSpPr>
+        <a:xfrm>
+          <a:off x="0" y="0"/>
+          <a:ext cx="0" cy="0"/>
+          <a:chOff x="0" y="0"/>
+          <a:chExt cx="0" cy="0"/>
+        </a:xfrm>
+      </p:grpSpPr>
+      <p:sp>
+        <p:nvSpPr>
+          <p:cNvPr id="2" name="Title 1">
+            <a:extLst>
+              <a:ext uri="{FF2B5EF4-FFF2-40B4-BE49-F238E27FC236}">
+                <a16:creationId xmlns:a16="http://schemas.microsoft.com/office/drawing/2014/main" id="{9C867976-69D3-054A-920E-306A64F617C5}"/>
+              </a:ext>
+            </a:extLst>
+          </p:cNvPr>
+          <p:cNvSpPr>
+            <a:spLocks noGrp="1"/>
+          </p:cNvSpPr>
+          <p:nvPr>
+            <p:ph type="title"/>
+          </p:nvPr>
+        </p:nvSpPr>
+        <p:spPr/>
+        <p:txBody>
+          <a:bodyPr/>
+          <a:lstStyle/>
+          <a:p>
+            <a:r>
               <a:rPr lang="en-US" dirty="0">
                 <a:solidFill>
                   <a:schemeClr val="bg1"/>
@@ -3942,6 +4814,46 @@
           <a:bodyPr/>
           <a:lstStyle/>
           <a:p>
+            <a:r>
+              <a:rPr lang="en-AU" dirty="0">
+                <a:solidFill>
+                  <a:schemeClr val="bg1"/>
+                </a:solidFill>
+              </a:rPr>
+              <a:t>- User being able to input their email address for the file to be sent to them</a:t>
+            </a:r>
+          </a:p>
+          <a:p>
+            <a:r>
+              <a:rPr lang="en-AU" dirty="0">
+                <a:solidFill>
+                  <a:schemeClr val="bg1"/>
+                </a:solidFill>
+              </a:rPr>
+              <a:t>- Fine tuning of the text scraping so most articles would be compatible(Node Module Puppeteer would allow for this, however can only be used with a server)</a:t>
+            </a:r>
+          </a:p>
+          <a:p>
+            <a:r>
+              <a:rPr lang="en-AU" dirty="0">
+                <a:solidFill>
+                  <a:schemeClr val="bg1"/>
+                </a:solidFill>
+              </a:rPr>
+              <a:t>- The output file being a downloadable audio file</a:t>
+            </a:r>
+          </a:p>
+          <a:p>
+            <a:r>
+              <a:rPr lang="en-AU" dirty="0">
+                <a:solidFill>
+                  <a:schemeClr val="bg1"/>
+                </a:solidFill>
+              </a:rPr>
+              <a:t>- Change reading voice options</a:t>
+            </a:r>
+          </a:p>
+          <a:p>
             <a:endParaRPr lang="en-US" dirty="0">
               <a:solidFill>
                 <a:schemeClr val="bg1"/>
@@ -3953,7 +4865,82 @@
     </p:spTree>
     <p:extLst>
       <p:ext uri="{BB962C8B-B14F-4D97-AF65-F5344CB8AC3E}">
-        <p14:creationId xmlns:p14="http://schemas.microsoft.com/office/powerpoint/2010/main" val="532574321"/>
+        <p14:creationId xmlns:p14="http://schemas.microsoft.com/office/powerpoint/2010/main" val="1300285820"/>
+      </p:ext>
+    </p:extLst>
+  </p:cSld>
+  <p:clrMapOvr>
+    <a:masterClrMapping/>
+  </p:clrMapOvr>
+</p:sld>
+</file>
+
+<file path=ppt/slides/slide8.xml><?xml version="1.0" encoding="utf-8"?>
+<p:sld xmlns:a="http://schemas.openxmlformats.org/drawingml/2006/main" xmlns:r="http://schemas.openxmlformats.org/officeDocument/2006/relationships" xmlns:p="http://schemas.openxmlformats.org/presentationml/2006/main">
+  <p:cSld>
+    <p:bg>
+      <p:bgPr>
+        <a:solidFill>
+          <a:schemeClr val="tx1"/>
+        </a:solidFill>
+        <a:effectLst/>
+      </p:bgPr>
+    </p:bg>
+    <p:spTree>
+      <p:nvGrpSpPr>
+        <p:cNvPr id="1" name=""/>
+        <p:cNvGrpSpPr/>
+        <p:nvPr/>
+      </p:nvGrpSpPr>
+      <p:grpSpPr>
+        <a:xfrm>
+          <a:off x="0" y="0"/>
+          <a:ext cx="0" cy="0"/>
+          <a:chOff x="0" y="0"/>
+          <a:chExt cx="0" cy="0"/>
+        </a:xfrm>
+      </p:grpSpPr>
+      <p:sp>
+        <p:nvSpPr>
+          <p:cNvPr id="2" name="Title 1">
+            <a:extLst>
+              <a:ext uri="{FF2B5EF4-FFF2-40B4-BE49-F238E27FC236}">
+                <a16:creationId xmlns:a16="http://schemas.microsoft.com/office/drawing/2014/main" id="{9C867976-69D3-054A-920E-306A64F617C5}"/>
+              </a:ext>
+            </a:extLst>
+          </p:cNvPr>
+          <p:cNvSpPr>
+            <a:spLocks noGrp="1"/>
+          </p:cNvSpPr>
+          <p:nvPr>
+            <p:ph type="title"/>
+          </p:nvPr>
+        </p:nvSpPr>
+        <p:spPr>
+          <a:xfrm>
+            <a:off x="4636058" y="2435086"/>
+            <a:ext cx="2919883" cy="1325563"/>
+          </a:xfrm>
+        </p:spPr>
+        <p:txBody>
+          <a:bodyPr/>
+          <a:lstStyle/>
+          <a:p>
+            <a:r>
+              <a:rPr lang="en-US" dirty="0">
+                <a:solidFill>
+                  <a:srgbClr val="92D050"/>
+                </a:solidFill>
+              </a:rPr>
+              <a:t>Thank you!</a:t>
+            </a:r>
+          </a:p>
+        </p:txBody>
+      </p:sp>
+    </p:spTree>
+    <p:extLst>
+      <p:ext uri="{BB962C8B-B14F-4D97-AF65-F5344CB8AC3E}">
+        <p14:creationId xmlns:p14="http://schemas.microsoft.com/office/powerpoint/2010/main" val="3542978135"/>
       </p:ext>
     </p:extLst>
   </p:cSld>
@@ -4256,4 +5243,299 @@
     </a:ext>
   </a:extLst>
 </a:theme>
+</file>
+
+<file path=ppt/theme/theme2.xml><?xml version="1.0" encoding="utf-8"?>
+<a:theme xmlns:a="http://schemas.openxmlformats.org/drawingml/2006/main" name="Office Theme">
+  <a:themeElements>
+    <a:clrScheme name="Office">
+      <a:dk1>
+        <a:sysClr val="windowText" lastClr="000000"/>
+      </a:dk1>
+      <a:lt1>
+        <a:sysClr val="window" lastClr="FFFFFF"/>
+      </a:lt1>
+      <a:dk2>
+        <a:srgbClr val="44546A"/>
+      </a:dk2>
+      <a:lt2>
+        <a:srgbClr val="E7E6E6"/>
+      </a:lt2>
+      <a:accent1>
+        <a:srgbClr val="4472C4"/>
+      </a:accent1>
+      <a:accent2>
+        <a:srgbClr val="ED7D31"/>
+      </a:accent2>
+      <a:accent3>
+        <a:srgbClr val="A5A5A5"/>
+      </a:accent3>
+      <a:accent4>
+        <a:srgbClr val="FFC000"/>
+      </a:accent4>
+      <a:accent5>
+        <a:srgbClr val="5B9BD5"/>
+      </a:accent5>
+      <a:accent6>
+        <a:srgbClr val="70AD47"/>
+      </a:accent6>
+      <a:hlink>
+        <a:srgbClr val="0563C1"/>
+      </a:hlink>
+      <a:folHlink>
+        <a:srgbClr val="954F72"/>
+      </a:folHlink>
+    </a:clrScheme>
+    <a:fontScheme name="Office">
+      <a:majorFont>
+        <a:latin typeface="Calibri Light" panose="020F0302020204030204"/>
+        <a:ea typeface=""/>
+        <a:cs typeface=""/>
+        <a:font script="Jpan" typeface="游ゴシック Light"/>
+        <a:font script="Hang" typeface="맑은 고딕"/>
+        <a:font script="Hans" typeface="等线 Light"/>
+        <a:font script="Hant" typeface="新細明體"/>
+        <a:font script="Arab" typeface="Times New Roman"/>
+        <a:font script="Hebr" typeface="Times New Roman"/>
+        <a:font script="Thai" typeface="Angsana New"/>
+        <a:font script="Ethi" typeface="Nyala"/>
+        <a:font script="Beng" typeface="Vrinda"/>
+        <a:font script="Gujr" typeface="Shruti"/>
+        <a:font script="Khmr" typeface="MoolBoran"/>
+        <a:font script="Knda" typeface="Tunga"/>
+        <a:font script="Guru" typeface="Raavi"/>
+        <a:font script="Cans" typeface="Euphemia"/>
+        <a:font script="Cher" typeface="Plantagenet Cherokee"/>
+        <a:font script="Yiii" typeface="Microsoft Yi Baiti"/>
+        <a:font script="Tibt" typeface="Microsoft Himalaya"/>
+        <a:font script="Thaa" typeface="MV Boli"/>
+        <a:font script="Deva" typeface="Mangal"/>
+        <a:font script="Telu" typeface="Gautami"/>
+        <a:font script="Taml" typeface="Latha"/>
+        <a:font script="Syrc" typeface="Estrangelo Edessa"/>
+        <a:font script="Orya" typeface="Kalinga"/>
+        <a:font script="Mlym" typeface="Kartika"/>
+        <a:font script="Laoo" typeface="DokChampa"/>
+        <a:font script="Sinh" typeface="Iskoola Pota"/>
+        <a:font script="Mong" typeface="Mongolian Baiti"/>
+        <a:font script="Viet" typeface="Times New Roman"/>
+        <a:font script="Uigh" typeface="Microsoft Uighur"/>
+        <a:font script="Geor" typeface="Sylfaen"/>
+        <a:font script="Armn" typeface="Arial"/>
+        <a:font script="Bugi" typeface="Leelawadee UI"/>
+        <a:font script="Bopo" typeface="Microsoft JhengHei"/>
+        <a:font script="Java" typeface="Javanese Text"/>
+        <a:font script="Lisu" typeface="Segoe UI"/>
+        <a:font script="Mymr" typeface="Myanmar Text"/>
+        <a:font script="Nkoo" typeface="Ebrima"/>
+        <a:font script="Olck" typeface="Nirmala UI"/>
+        <a:font script="Osma" typeface="Ebrima"/>
+        <a:font script="Phag" typeface="Phagspa"/>
+        <a:font script="Syrn" typeface="Estrangelo Edessa"/>
+        <a:font script="Syrj" typeface="Estrangelo Edessa"/>
+        <a:font script="Syre" typeface="Estrangelo Edessa"/>
+        <a:font script="Sora" typeface="Nirmala UI"/>
+        <a:font script="Tale" typeface="Microsoft Tai Le"/>
+        <a:font script="Talu" typeface="Microsoft New Tai Lue"/>
+        <a:font script="Tfng" typeface="Ebrima"/>
+      </a:majorFont>
+      <a:minorFont>
+        <a:latin typeface="Calibri" panose="020F0502020204030204"/>
+        <a:ea typeface=""/>
+        <a:cs typeface=""/>
+        <a:font script="Jpan" typeface="游ゴシック"/>
+        <a:font script="Hang" typeface="맑은 고딕"/>
+        <a:font script="Hans" typeface="等线"/>
+        <a:font script="Hant" typeface="新細明體"/>
+        <a:font script="Arab" typeface="Arial"/>
+        <a:font script="Hebr" typeface="Arial"/>
+        <a:font script="Thai" typeface="Cordia New"/>
+        <a:font script="Ethi" typeface="Nyala"/>
+        <a:font script="Beng" typeface="Vrinda"/>
+        <a:font script="Gujr" typeface="Shruti"/>
+        <a:font script="Khmr" typeface="DaunPenh"/>
+        <a:font script="Knda" typeface="Tunga"/>
+        <a:font script="Guru" typeface="Raavi"/>
+        <a:font script="Cans" typeface="Euphemia"/>
+        <a:font script="Cher" typeface="Plantagenet Cherokee"/>
+        <a:font script="Yiii" typeface="Microsoft Yi Baiti"/>
+        <a:font script="Tibt" typeface="Microsoft Himalaya"/>
+        <a:font script="Thaa" typeface="MV Boli"/>
+        <a:font script="Deva" typeface="Mangal"/>
+        <a:font script="Telu" typeface="Gautami"/>
+        <a:font script="Taml" typeface="Latha"/>
+        <a:font script="Syrc" typeface="Estrangelo Edessa"/>
+        <a:font script="Orya" typeface="Kalinga"/>
+        <a:font script="Mlym" typeface="Kartika"/>
+        <a:font script="Laoo" typeface="DokChampa"/>
+        <a:font script="Sinh" typeface="Iskoola Pota"/>
+        <a:font script="Mong" typeface="Mongolian Baiti"/>
+        <a:font script="Viet" typeface="Arial"/>
+        <a:font script="Uigh" typeface="Microsoft Uighur"/>
+        <a:font script="Geor" typeface="Sylfaen"/>
+        <a:font script="Armn" typeface="Arial"/>
+        <a:font script="Bugi" typeface="Leelawadee UI"/>
+        <a:font script="Bopo" typeface="Microsoft JhengHei"/>
+        <a:font script="Java" typeface="Javanese Text"/>
+        <a:font script="Lisu" typeface="Segoe UI"/>
+        <a:font script="Mymr" typeface="Myanmar Text"/>
+        <a:font script="Nkoo" typeface="Ebrima"/>
+        <a:font script="Olck" typeface="Nirmala UI"/>
+        <a:font script="Osma" typeface="Ebrima"/>
+        <a:font script="Phag" typeface="Phagspa"/>
+        <a:font script="Syrn" typeface="Estrangelo Edessa"/>
+        <a:font script="Syrj" typeface="Estrangelo Edessa"/>
+        <a:font script="Syre" typeface="Estrangelo Edessa"/>
+        <a:font script="Sora" typeface="Nirmala UI"/>
+        <a:font script="Tale" typeface="Microsoft Tai Le"/>
+        <a:font script="Talu" typeface="Microsoft New Tai Lue"/>
+        <a:font script="Tfng" typeface="Ebrima"/>
+      </a:minorFont>
+    </a:fontScheme>
+    <a:fmtScheme name="Office">
+      <a:fillStyleLst>
+        <a:solidFill>
+          <a:schemeClr val="phClr"/>
+        </a:solidFill>
+        <a:gradFill rotWithShape="1">
+          <a:gsLst>
+            <a:gs pos="0">
+              <a:schemeClr val="phClr">
+                <a:lumMod val="110000"/>
+                <a:satMod val="105000"/>
+                <a:tint val="67000"/>
+              </a:schemeClr>
+            </a:gs>
+            <a:gs pos="50000">
+              <a:schemeClr val="phClr">
+                <a:lumMod val="105000"/>
+                <a:satMod val="103000"/>
+                <a:tint val="73000"/>
+              </a:schemeClr>
+            </a:gs>
+            <a:gs pos="100000">
+              <a:schemeClr val="phClr">
+                <a:lumMod val="105000"/>
+                <a:satMod val="109000"/>
+                <a:tint val="81000"/>
+              </a:schemeClr>
+            </a:gs>
+          </a:gsLst>
+          <a:lin ang="5400000" scaled="0"/>
+        </a:gradFill>
+        <a:gradFill rotWithShape="1">
+          <a:gsLst>
+            <a:gs pos="0">
+              <a:schemeClr val="phClr">
+                <a:satMod val="103000"/>
+                <a:lumMod val="102000"/>
+                <a:tint val="94000"/>
+              </a:schemeClr>
+            </a:gs>
+            <a:gs pos="50000">
+              <a:schemeClr val="phClr">
+                <a:satMod val="110000"/>
+                <a:lumMod val="100000"/>
+                <a:shade val="100000"/>
+              </a:schemeClr>
+            </a:gs>
+            <a:gs pos="100000">
+              <a:schemeClr val="phClr">
+                <a:lumMod val="99000"/>
+                <a:satMod val="120000"/>
+                <a:shade val="78000"/>
+              </a:schemeClr>
+            </a:gs>
+          </a:gsLst>
+          <a:lin ang="5400000" scaled="0"/>
+        </a:gradFill>
+      </a:fillStyleLst>
+      <a:lnStyleLst>
+        <a:ln w="6350" cap="flat" cmpd="sng" algn="ctr">
+          <a:solidFill>
+            <a:schemeClr val="phClr"/>
+          </a:solidFill>
+          <a:prstDash val="solid"/>
+          <a:miter lim="800000"/>
+        </a:ln>
+        <a:ln w="12700" cap="flat" cmpd="sng" algn="ctr">
+          <a:solidFill>
+            <a:schemeClr val="phClr"/>
+          </a:solidFill>
+          <a:prstDash val="solid"/>
+          <a:miter lim="800000"/>
+        </a:ln>
+        <a:ln w="19050" cap="flat" cmpd="sng" algn="ctr">
+          <a:solidFill>
+            <a:schemeClr val="phClr"/>
+          </a:solidFill>
+          <a:prstDash val="solid"/>
+          <a:miter lim="800000"/>
+        </a:ln>
+      </a:lnStyleLst>
+      <a:effectStyleLst>
+        <a:effectStyle>
+          <a:effectLst/>
+        </a:effectStyle>
+        <a:effectStyle>
+          <a:effectLst/>
+        </a:effectStyle>
+        <a:effectStyle>
+          <a:effectLst>
+            <a:outerShdw blurRad="57150" dist="19050" dir="5400000" algn="ctr" rotWithShape="0">
+              <a:srgbClr val="000000">
+                <a:alpha val="63000"/>
+              </a:srgbClr>
+            </a:outerShdw>
+          </a:effectLst>
+        </a:effectStyle>
+      </a:effectStyleLst>
+      <a:bgFillStyleLst>
+        <a:solidFill>
+          <a:schemeClr val="phClr"/>
+        </a:solidFill>
+        <a:solidFill>
+          <a:schemeClr val="phClr">
+            <a:tint val="95000"/>
+            <a:satMod val="170000"/>
+          </a:schemeClr>
+        </a:solidFill>
+        <a:gradFill rotWithShape="1">
+          <a:gsLst>
+            <a:gs pos="0">
+              <a:schemeClr val="phClr">
+                <a:tint val="93000"/>
+                <a:satMod val="150000"/>
+                <a:shade val="98000"/>
+                <a:lumMod val="102000"/>
+              </a:schemeClr>
+            </a:gs>
+            <a:gs pos="50000">
+              <a:schemeClr val="phClr">
+                <a:tint val="98000"/>
+                <a:satMod val="130000"/>
+                <a:shade val="90000"/>
+                <a:lumMod val="103000"/>
+              </a:schemeClr>
+            </a:gs>
+            <a:gs pos="100000">
+              <a:schemeClr val="phClr">
+                <a:shade val="63000"/>
+                <a:satMod val="120000"/>
+              </a:schemeClr>
+            </a:gs>
+          </a:gsLst>
+          <a:lin ang="5400000" scaled="0"/>
+        </a:gradFill>
+      </a:bgFillStyleLst>
+    </a:fmtScheme>
+  </a:themeElements>
+  <a:objectDefaults/>
+  <a:extraClrSchemeLst/>
+  <a:extLst>
+    <a:ext uri="{05A4C25C-085E-4340-85A3-A5531E510DB2}">
+      <thm15:themeFamily xmlns:thm15="http://schemas.microsoft.com/office/thememl/2012/main" name="Office Theme" id="{62F939B6-93AF-4DB8-9C6B-D6C7DFDC589F}" vid="{4A3C46E8-61CC-4603-A589-7422A47A8E4A}"/>
+    </a:ext>
+  </a:extLst>
+</a:theme>
 </file>
--- a/pres.pptx
+++ b/pres.pptx
@@ -10,8 +10,8 @@
   <p:sldIdLst>
     <p:sldId id="256" r:id="rId2"/>
     <p:sldId id="257" r:id="rId3"/>
-    <p:sldId id="261" r:id="rId4"/>
-    <p:sldId id="260" r:id="rId5"/>
+    <p:sldId id="265" r:id="rId4"/>
+    <p:sldId id="261" r:id="rId5"/>
     <p:sldId id="259" r:id="rId6"/>
     <p:sldId id="262" r:id="rId7"/>
     <p:sldId id="263" r:id="rId8"/>
@@ -114,6 +114,11 @@
       </a:defRPr>
     </a:lvl9pPr>
   </p:defaultTextStyle>
+  <p:extLst>
+    <p:ext uri="{EFAFB233-063F-42B5-8137-9DF3F51BA10A}">
+      <p15:sldGuideLst xmlns:p15="http://schemas.microsoft.com/office/powerpoint/2012/main"/>
+    </p:ext>
+  </p:extLst>
 </p:presentation>
 </file>
 
@@ -199,7 +204,7 @@
           <a:p>
             <a:fld id="{350D700E-1A4F-EC48-B689-1003C62E95A0}" type="datetimeFigureOut">
               <a:rPr lang="en-US" smtClean="0"/>
-              <a:t>9/22/20</a:t>
+              <a:t>9/23/20</a:t>
             </a:fld>
             <a:endParaRPr lang="en-US"/>
           </a:p>
@@ -784,7 +789,7 @@
           <a:p>
             <a:fld id="{D26C442D-3ED7-3644-9054-0B93F05E1108}" type="datetimeFigureOut">
               <a:rPr lang="en-US" smtClean="0"/>
-              <a:t>9/22/20</a:t>
+              <a:t>9/23/20</a:t>
             </a:fld>
             <a:endParaRPr lang="en-US"/>
           </a:p>
@@ -984,7 +989,7 @@
           <a:p>
             <a:fld id="{D26C442D-3ED7-3644-9054-0B93F05E1108}" type="datetimeFigureOut">
               <a:rPr lang="en-US" smtClean="0"/>
-              <a:t>9/22/20</a:t>
+              <a:t>9/23/20</a:t>
             </a:fld>
             <a:endParaRPr lang="en-US"/>
           </a:p>
@@ -1194,7 +1199,7 @@
           <a:p>
             <a:fld id="{D26C442D-3ED7-3644-9054-0B93F05E1108}" type="datetimeFigureOut">
               <a:rPr lang="en-US" smtClean="0"/>
-              <a:t>9/22/20</a:t>
+              <a:t>9/23/20</a:t>
             </a:fld>
             <a:endParaRPr lang="en-US"/>
           </a:p>
@@ -1394,7 +1399,7 @@
           <a:p>
             <a:fld id="{D26C442D-3ED7-3644-9054-0B93F05E1108}" type="datetimeFigureOut">
               <a:rPr lang="en-US" smtClean="0"/>
-              <a:t>9/22/20</a:t>
+              <a:t>9/23/20</a:t>
             </a:fld>
             <a:endParaRPr lang="en-US"/>
           </a:p>
@@ -1670,7 +1675,7 @@
           <a:p>
             <a:fld id="{D26C442D-3ED7-3644-9054-0B93F05E1108}" type="datetimeFigureOut">
               <a:rPr lang="en-US" smtClean="0"/>
-              <a:t>9/22/20</a:t>
+              <a:t>9/23/20</a:t>
             </a:fld>
             <a:endParaRPr lang="en-US"/>
           </a:p>
@@ -1938,7 +1943,7 @@
           <a:p>
             <a:fld id="{D26C442D-3ED7-3644-9054-0B93F05E1108}" type="datetimeFigureOut">
               <a:rPr lang="en-US" smtClean="0"/>
-              <a:t>9/22/20</a:t>
+              <a:t>9/23/20</a:t>
             </a:fld>
             <a:endParaRPr lang="en-US"/>
           </a:p>
@@ -2353,7 +2358,7 @@
           <a:p>
             <a:fld id="{D26C442D-3ED7-3644-9054-0B93F05E1108}" type="datetimeFigureOut">
               <a:rPr lang="en-US" smtClean="0"/>
-              <a:t>9/22/20</a:t>
+              <a:t>9/23/20</a:t>
             </a:fld>
             <a:endParaRPr lang="en-US"/>
           </a:p>
@@ -2495,7 +2500,7 @@
           <a:p>
             <a:fld id="{D26C442D-3ED7-3644-9054-0B93F05E1108}" type="datetimeFigureOut">
               <a:rPr lang="en-US" smtClean="0"/>
-              <a:t>9/22/20</a:t>
+              <a:t>9/23/20</a:t>
             </a:fld>
             <a:endParaRPr lang="en-US"/>
           </a:p>
@@ -2608,7 +2613,7 @@
           <a:p>
             <a:fld id="{D26C442D-3ED7-3644-9054-0B93F05E1108}" type="datetimeFigureOut">
               <a:rPr lang="en-US" smtClean="0"/>
-              <a:t>9/22/20</a:t>
+              <a:t>9/23/20</a:t>
             </a:fld>
             <a:endParaRPr lang="en-US"/>
           </a:p>
@@ -2921,7 +2926,7 @@
           <a:p>
             <a:fld id="{D26C442D-3ED7-3644-9054-0B93F05E1108}" type="datetimeFigureOut">
               <a:rPr lang="en-US" smtClean="0"/>
-              <a:t>9/22/20</a:t>
+              <a:t>9/23/20</a:t>
             </a:fld>
             <a:endParaRPr lang="en-US"/>
           </a:p>
@@ -3210,7 +3215,7 @@
           <a:p>
             <a:fld id="{D26C442D-3ED7-3644-9054-0B93F05E1108}" type="datetimeFigureOut">
               <a:rPr lang="en-US" smtClean="0"/>
-              <a:t>9/22/20</a:t>
+              <a:t>9/23/20</a:t>
             </a:fld>
             <a:endParaRPr lang="en-US"/>
           </a:p>
@@ -3453,7 +3458,7 @@
           <a:p>
             <a:fld id="{D26C442D-3ED7-3644-9054-0B93F05E1108}" type="datetimeFigureOut">
               <a:rPr lang="en-US" smtClean="0"/>
-              <a:t>9/22/20</a:t>
+              <a:t>9/23/20</a:t>
             </a:fld>
             <a:endParaRPr lang="en-US"/>
           </a:p>
@@ -4033,33 +4038,203 @@
                   <a:srgbClr val="92D050"/>
                 </a:solidFill>
               </a:rPr>
-              <a:t>Problem?</a:t>
-            </a:r>
-          </a:p>
-        </p:txBody>
-      </p:sp>
-      <p:sp>
-        <p:nvSpPr>
-          <p:cNvPr id="3" name="Content Placeholder 2">
-            <a:extLst>
-              <a:ext uri="{FF2B5EF4-FFF2-40B4-BE49-F238E27FC236}">
-                <a16:creationId xmlns:a16="http://schemas.microsoft.com/office/drawing/2014/main" id="{D30DC234-3A33-CC4B-A0A0-3FE6258D3D2D}"/>
-              </a:ext>
-            </a:extLst>
-          </p:cNvPr>
-          <p:cNvSpPr>
-            <a:spLocks noGrp="1"/>
-          </p:cNvSpPr>
-          <p:nvPr>
-            <p:ph idx="1"/>
-          </p:nvPr>
+              <a:t>What is ReadMe?</a:t>
+            </a:r>
+          </a:p>
+        </p:txBody>
+      </p:sp>
+      <p:sp>
+        <p:nvSpPr>
+          <p:cNvPr id="4" name="Content Placeholder 2">
+            <a:extLst>
+              <a:ext uri="{FF2B5EF4-FFF2-40B4-BE49-F238E27FC236}">
+                <a16:creationId xmlns:a16="http://schemas.microsoft.com/office/drawing/2014/main" id="{57DB4418-C01B-194D-9547-0D0323C54168}"/>
+              </a:ext>
+            </a:extLst>
+          </p:cNvPr>
+          <p:cNvSpPr txBox="1">
+            <a:spLocks/>
+          </p:cNvSpPr>
+          <p:nvPr/>
         </p:nvSpPr>
         <p:spPr>
+          <a:xfrm>
+            <a:off x="525517" y="1666269"/>
+            <a:ext cx="10828283" cy="4510694"/>
+          </a:xfrm>
+          <a:prstGeom prst="rect">
+            <a:avLst/>
+          </a:prstGeom>
           <a:noFill/>
         </p:spPr>
         <p:txBody>
-          <a:bodyPr/>
-          <a:lstStyle/>
+          <a:bodyPr vert="horz" lIns="91440" tIns="45720" rIns="91440" bIns="45720" rtlCol="0">
+            <a:normAutofit/>
+          </a:bodyPr>
+          <a:lstStyle>
+            <a:lvl1pPr marL="228600" indent="-228600" algn="l" defTabSz="914400" rtl="0" eaLnBrk="1" latinLnBrk="0" hangingPunct="1">
+              <a:lnSpc>
+                <a:spcPct val="90000"/>
+              </a:lnSpc>
+              <a:spcBef>
+                <a:spcPts val="1000"/>
+              </a:spcBef>
+              <a:buFont typeface="Arial" panose="020B0604020202020204" pitchFamily="34" charset="0"/>
+              <a:buChar char="•"/>
+              <a:defRPr sz="2800" kern="1200">
+                <a:solidFill>
+                  <a:schemeClr val="tx1"/>
+                </a:solidFill>
+                <a:latin typeface="+mn-lt"/>
+                <a:ea typeface="+mn-ea"/>
+                <a:cs typeface="+mn-cs"/>
+              </a:defRPr>
+            </a:lvl1pPr>
+            <a:lvl2pPr marL="685800" indent="-228600" algn="l" defTabSz="914400" rtl="0" eaLnBrk="1" latinLnBrk="0" hangingPunct="1">
+              <a:lnSpc>
+                <a:spcPct val="90000"/>
+              </a:lnSpc>
+              <a:spcBef>
+                <a:spcPts val="500"/>
+              </a:spcBef>
+              <a:buFont typeface="Arial" panose="020B0604020202020204" pitchFamily="34" charset="0"/>
+              <a:buChar char="•"/>
+              <a:defRPr sz="2400" kern="1200">
+                <a:solidFill>
+                  <a:schemeClr val="tx1"/>
+                </a:solidFill>
+                <a:latin typeface="+mn-lt"/>
+                <a:ea typeface="+mn-ea"/>
+                <a:cs typeface="+mn-cs"/>
+              </a:defRPr>
+            </a:lvl2pPr>
+            <a:lvl3pPr marL="1143000" indent="-228600" algn="l" defTabSz="914400" rtl="0" eaLnBrk="1" latinLnBrk="0" hangingPunct="1">
+              <a:lnSpc>
+                <a:spcPct val="90000"/>
+              </a:lnSpc>
+              <a:spcBef>
+                <a:spcPts val="500"/>
+              </a:spcBef>
+              <a:buFont typeface="Arial" panose="020B0604020202020204" pitchFamily="34" charset="0"/>
+              <a:buChar char="•"/>
+              <a:defRPr sz="2000" kern="1200">
+                <a:solidFill>
+                  <a:schemeClr val="tx1"/>
+                </a:solidFill>
+                <a:latin typeface="+mn-lt"/>
+                <a:ea typeface="+mn-ea"/>
+                <a:cs typeface="+mn-cs"/>
+              </a:defRPr>
+            </a:lvl3pPr>
+            <a:lvl4pPr marL="1600200" indent="-228600" algn="l" defTabSz="914400" rtl="0" eaLnBrk="1" latinLnBrk="0" hangingPunct="1">
+              <a:lnSpc>
+                <a:spcPct val="90000"/>
+              </a:lnSpc>
+              <a:spcBef>
+                <a:spcPts val="500"/>
+              </a:spcBef>
+              <a:buFont typeface="Arial" panose="020B0604020202020204" pitchFamily="34" charset="0"/>
+              <a:buChar char="•"/>
+              <a:defRPr sz="1800" kern="1200">
+                <a:solidFill>
+                  <a:schemeClr val="tx1"/>
+                </a:solidFill>
+                <a:latin typeface="+mn-lt"/>
+                <a:ea typeface="+mn-ea"/>
+                <a:cs typeface="+mn-cs"/>
+              </a:defRPr>
+            </a:lvl4pPr>
+            <a:lvl5pPr marL="2057400" indent="-228600" algn="l" defTabSz="914400" rtl="0" eaLnBrk="1" latinLnBrk="0" hangingPunct="1">
+              <a:lnSpc>
+                <a:spcPct val="90000"/>
+              </a:lnSpc>
+              <a:spcBef>
+                <a:spcPts val="500"/>
+              </a:spcBef>
+              <a:buFont typeface="Arial" panose="020B0604020202020204" pitchFamily="34" charset="0"/>
+              <a:buChar char="•"/>
+              <a:defRPr sz="1800" kern="1200">
+                <a:solidFill>
+                  <a:schemeClr val="tx1"/>
+                </a:solidFill>
+                <a:latin typeface="+mn-lt"/>
+                <a:ea typeface="+mn-ea"/>
+                <a:cs typeface="+mn-cs"/>
+              </a:defRPr>
+            </a:lvl5pPr>
+            <a:lvl6pPr marL="2514600" indent="-228600" algn="l" defTabSz="914400" rtl="0" eaLnBrk="1" latinLnBrk="0" hangingPunct="1">
+              <a:lnSpc>
+                <a:spcPct val="90000"/>
+              </a:lnSpc>
+              <a:spcBef>
+                <a:spcPts val="500"/>
+              </a:spcBef>
+              <a:buFont typeface="Arial" panose="020B0604020202020204" pitchFamily="34" charset="0"/>
+              <a:buChar char="•"/>
+              <a:defRPr sz="1800" kern="1200">
+                <a:solidFill>
+                  <a:schemeClr val="tx1"/>
+                </a:solidFill>
+                <a:latin typeface="+mn-lt"/>
+                <a:ea typeface="+mn-ea"/>
+                <a:cs typeface="+mn-cs"/>
+              </a:defRPr>
+            </a:lvl6pPr>
+            <a:lvl7pPr marL="2971800" indent="-228600" algn="l" defTabSz="914400" rtl="0" eaLnBrk="1" latinLnBrk="0" hangingPunct="1">
+              <a:lnSpc>
+                <a:spcPct val="90000"/>
+              </a:lnSpc>
+              <a:spcBef>
+                <a:spcPts val="500"/>
+              </a:spcBef>
+              <a:buFont typeface="Arial" panose="020B0604020202020204" pitchFamily="34" charset="0"/>
+              <a:buChar char="•"/>
+              <a:defRPr sz="1800" kern="1200">
+                <a:solidFill>
+                  <a:schemeClr val="tx1"/>
+                </a:solidFill>
+                <a:latin typeface="+mn-lt"/>
+                <a:ea typeface="+mn-ea"/>
+                <a:cs typeface="+mn-cs"/>
+              </a:defRPr>
+            </a:lvl7pPr>
+            <a:lvl8pPr marL="3429000" indent="-228600" algn="l" defTabSz="914400" rtl="0" eaLnBrk="1" latinLnBrk="0" hangingPunct="1">
+              <a:lnSpc>
+                <a:spcPct val="90000"/>
+              </a:lnSpc>
+              <a:spcBef>
+                <a:spcPts val="500"/>
+              </a:spcBef>
+              <a:buFont typeface="Arial" panose="020B0604020202020204" pitchFamily="34" charset="0"/>
+              <a:buChar char="•"/>
+              <a:defRPr sz="1800" kern="1200">
+                <a:solidFill>
+                  <a:schemeClr val="tx1"/>
+                </a:solidFill>
+                <a:latin typeface="+mn-lt"/>
+                <a:ea typeface="+mn-ea"/>
+                <a:cs typeface="+mn-cs"/>
+              </a:defRPr>
+            </a:lvl8pPr>
+            <a:lvl9pPr marL="3886200" indent="-228600" algn="l" defTabSz="914400" rtl="0" eaLnBrk="1" latinLnBrk="0" hangingPunct="1">
+              <a:lnSpc>
+                <a:spcPct val="90000"/>
+              </a:lnSpc>
+              <a:spcBef>
+                <a:spcPts val="500"/>
+              </a:spcBef>
+              <a:buFont typeface="Arial" panose="020B0604020202020204" pitchFamily="34" charset="0"/>
+              <a:buChar char="•"/>
+              <a:defRPr sz="1800" kern="1200">
+                <a:solidFill>
+                  <a:schemeClr val="tx1"/>
+                </a:solidFill>
+                <a:latin typeface="+mn-lt"/>
+                <a:ea typeface="+mn-ea"/>
+                <a:cs typeface="+mn-cs"/>
+              </a:defRPr>
+            </a:lvl9pPr>
+          </a:lstStyle>
           <a:p>
             <a:r>
               <a:rPr lang="en-AU" dirty="0">
@@ -4067,7 +4242,17 @@
                   <a:schemeClr val="bg1"/>
                 </a:solidFill>
               </a:rPr>
-              <a:t>Reading through Medium? The News? Other Articles? Ads getting in the way, or you simply do not have time to sit and read the whole thing? ReadMe is the article reading service you need. By inputting the URL the audio will be output ready to listen. </a:t>
+              <a:t>ReadMe is an 'article reading service' in which a user inputs a link to an article and ReadMe website converts the text from the article to audio and outputs a file that can either be downloaded or streamed directly from the site.</a:t>
+            </a:r>
+          </a:p>
+          <a:p>
+            <a:r>
+              <a:rPr lang="en-AU" dirty="0">
+                <a:solidFill>
+                  <a:schemeClr val="bg1"/>
+                </a:solidFill>
+              </a:rPr>
+              <a:t>Purpose? An alternative to reading through articles without bumping into annoying ads, also being able to listen to them on the go</a:t>
             </a:r>
           </a:p>
           <a:p>
@@ -4141,10 +4326,10 @@
             <a:r>
               <a:rPr lang="en-US" dirty="0">
                 <a:solidFill>
-                  <a:schemeClr val="bg1"/>
+                  <a:srgbClr val="92D050"/>
                 </a:solidFill>
               </a:rPr>
-              <a:t>What is ReadMe?</a:t>
+              <a:t>Initial Idea</a:t>
             </a:r>
           </a:p>
         </p:txBody>
@@ -4166,6 +4351,10 @@
           </p:nvPr>
         </p:nvSpPr>
         <p:spPr>
+          <a:xfrm>
+            <a:off x="587188" y="1666269"/>
+            <a:ext cx="10942660" cy="4351338"/>
+          </a:xfrm>
           <a:noFill/>
         </p:spPr>
         <p:txBody>
@@ -4178,7 +4367,57 @@
                   <a:schemeClr val="bg1"/>
                 </a:solidFill>
               </a:rPr>
-              <a:t>ReadMe is an 'article reading service' in which a user inputs a link to an article and ReadMe website converts the text from the article to audio and outputs a file that can either be downloaded or streamed directly from the site.</a:t>
+              <a:t>Utilising a web scraper for any news article/blog/post</a:t>
+            </a:r>
+          </a:p>
+          <a:p>
+            <a:r>
+              <a:rPr lang="en-AU" dirty="0">
+                <a:solidFill>
+                  <a:schemeClr val="bg1"/>
+                </a:solidFill>
+              </a:rPr>
+              <a:t>Amazon Polly</a:t>
+            </a:r>
+          </a:p>
+          <a:p>
+            <a:r>
+              <a:rPr lang="en-AU" dirty="0">
+                <a:solidFill>
+                  <a:schemeClr val="bg1"/>
+                </a:solidFill>
+              </a:rPr>
+              <a:t>Amazon s3 for file storage</a:t>
+            </a:r>
+          </a:p>
+          <a:p>
+            <a:r>
+              <a:rPr lang="en-AU" dirty="0">
+                <a:solidFill>
+                  <a:schemeClr val="bg1"/>
+                </a:solidFill>
+              </a:rPr>
+              <a:t>Service for emailing the file to user</a:t>
+            </a:r>
+          </a:p>
+          <a:p>
+            <a:r>
+              <a:rPr lang="en-AU" dirty="0">
+                <a:solidFill>
+                  <a:schemeClr val="bg1"/>
+                </a:solidFill>
+              </a:rPr>
+              <a:t>File be available for download</a:t>
+            </a:r>
+          </a:p>
+          <a:p>
+            <a:r>
+              <a:rPr lang="en-AU" dirty="0">
+                <a:solidFill>
+                  <a:schemeClr val="bg1"/>
+                </a:solidFill>
+              </a:rPr>
+              <a:t>Instant streaming</a:t>
             </a:r>
           </a:p>
           <a:p>
@@ -4193,7 +4432,7 @@
     </p:spTree>
     <p:extLst>
       <p:ext uri="{BB962C8B-B14F-4D97-AF65-F5344CB8AC3E}">
-        <p14:creationId xmlns:p14="http://schemas.microsoft.com/office/powerpoint/2010/main" val="4042934607"/>
+        <p14:creationId xmlns:p14="http://schemas.microsoft.com/office/powerpoint/2010/main" val="1979227701"/>
       </p:ext>
     </p:extLst>
   </p:cSld>
@@ -4255,17 +4494,17 @@
                   <a:schemeClr val="bg1"/>
                 </a:solidFill>
               </a:rPr>
-              <a:t>How it Works?</a:t>
-            </a:r>
-          </a:p>
-        </p:txBody>
-      </p:sp>
-      <p:sp>
-        <p:nvSpPr>
-          <p:cNvPr id="3" name="Content Placeholder 2">
-            <a:extLst>
-              <a:ext uri="{FF2B5EF4-FFF2-40B4-BE49-F238E27FC236}">
-                <a16:creationId xmlns:a16="http://schemas.microsoft.com/office/drawing/2014/main" id="{D30DC234-3A33-CC4B-A0A0-3FE6258D3D2D}"/>
+              <a:t>Implementation</a:t>
+            </a:r>
+          </a:p>
+        </p:txBody>
+      </p:sp>
+      <p:sp>
+        <p:nvSpPr>
+          <p:cNvPr id="5" name="Content Placeholder 4">
+            <a:extLst>
+              <a:ext uri="{FF2B5EF4-FFF2-40B4-BE49-F238E27FC236}">
+                <a16:creationId xmlns:a16="http://schemas.microsoft.com/office/drawing/2014/main" id="{AE2DDBB9-8B39-B848-B30E-9B5FDE412BB8}"/>
               </a:ext>
             </a:extLst>
           </p:cNvPr>
@@ -4277,122 +4516,332 @@
           </p:nvPr>
         </p:nvSpPr>
         <p:spPr>
+          <a:xfrm>
+            <a:off x="711512" y="1777255"/>
+            <a:ext cx="5062377" cy="4371297"/>
+          </a:xfrm>
+        </p:spPr>
+        <p:txBody>
+          <a:bodyPr>
+            <a:normAutofit/>
+          </a:bodyPr>
+          <a:lstStyle/>
+          <a:p>
+            <a:r>
+              <a:rPr lang="en-AU" dirty="0">
+                <a:solidFill>
+                  <a:schemeClr val="bg1"/>
+                </a:solidFill>
+              </a:rPr>
+              <a:t> Amazon Identity Pool houses the AWS creds</a:t>
+            </a:r>
+          </a:p>
+          <a:p>
+            <a:r>
+              <a:rPr lang="en-AU" dirty="0">
+                <a:solidFill>
+                  <a:schemeClr val="bg1"/>
+                </a:solidFill>
+              </a:rPr>
+              <a:t>NPM modules used, with the help of </a:t>
+            </a:r>
+            <a:r>
+              <a:rPr lang="en-AU" dirty="0" err="1">
+                <a:solidFill>
+                  <a:schemeClr val="bg1"/>
+                </a:solidFill>
+              </a:rPr>
+              <a:t>Browserify</a:t>
+            </a:r>
+            <a:r>
+              <a:rPr lang="en-AU" dirty="0">
+                <a:solidFill>
+                  <a:schemeClr val="bg1"/>
+                </a:solidFill>
+              </a:rPr>
+              <a:t> Module which enabled these modules to be used client-side for this project</a:t>
+            </a:r>
+          </a:p>
+          <a:p>
+            <a:r>
+              <a:rPr lang="en-AU" dirty="0">
+                <a:solidFill>
+                  <a:schemeClr val="bg1"/>
+                </a:solidFill>
+              </a:rPr>
+              <a:t>Heroku </a:t>
+            </a:r>
+            <a:r>
+              <a:rPr lang="en-AU" dirty="0" err="1">
+                <a:solidFill>
+                  <a:schemeClr val="bg1"/>
+                </a:solidFill>
+              </a:rPr>
+              <a:t>Cors</a:t>
+            </a:r>
+            <a:r>
+              <a:rPr lang="en-AU" dirty="0">
+                <a:solidFill>
+                  <a:schemeClr val="bg1"/>
+                </a:solidFill>
+              </a:rPr>
+              <a:t> Anywhere for Cross Origin usage</a:t>
+            </a:r>
+          </a:p>
+          <a:p>
+            <a:r>
+              <a:rPr lang="en-AU" dirty="0">
+                <a:solidFill>
+                  <a:schemeClr val="bg1"/>
+                </a:solidFill>
+              </a:rPr>
+              <a:t>Instantiating a new AWS polly </a:t>
+            </a:r>
+          </a:p>
+          <a:p>
+            <a:endParaRPr lang="en-US" dirty="0"/>
+          </a:p>
+        </p:txBody>
+      </p:sp>
+      <p:pic>
+        <p:nvPicPr>
+          <p:cNvPr id="7" name="Content Placeholder 4" descr="A screenshot of a cell phone&#10;&#10;Description automatically generated">
+            <a:extLst>
+              <a:ext uri="{FF2B5EF4-FFF2-40B4-BE49-F238E27FC236}">
+                <a16:creationId xmlns:a16="http://schemas.microsoft.com/office/drawing/2014/main" id="{AE9810D3-6DB1-AE4B-8944-EBFD3891E41D}"/>
+              </a:ext>
+            </a:extLst>
+          </p:cNvPr>
+          <p:cNvPicPr>
+            <a:picLocks noChangeAspect="1"/>
+          </p:cNvPicPr>
+          <p:nvPr/>
+        </p:nvPicPr>
+        <p:blipFill>
+          <a:blip r:embed="rId2"/>
+          <a:stretch>
+            <a:fillRect/>
+          </a:stretch>
+        </p:blipFill>
+        <p:spPr>
+          <a:xfrm>
+            <a:off x="6700435" y="1110786"/>
+            <a:ext cx="4995543" cy="2697593"/>
+          </a:xfrm>
+          <a:prstGeom prst="rect">
+            <a:avLst/>
+          </a:prstGeom>
           <a:noFill/>
         </p:spPr>
-        <p:txBody>
-          <a:bodyPr>
-            <a:normAutofit fontScale="92500" lnSpcReduction="20000"/>
-          </a:bodyPr>
-          <a:lstStyle/>
-          <a:p>
-            <a:r>
-              <a:rPr lang="en-AU" dirty="0">
-                <a:solidFill>
-                  <a:schemeClr val="bg1"/>
-                </a:solidFill>
-              </a:rPr>
-              <a:t>- User can input a URL into the search </a:t>
-            </a:r>
-          </a:p>
-          <a:p>
-            <a:r>
-              <a:rPr lang="en-AU" dirty="0">
-                <a:solidFill>
-                  <a:schemeClr val="bg1"/>
-                </a:solidFill>
-              </a:rPr>
-              <a:t>- When loading a loading bar will appear</a:t>
-            </a:r>
-          </a:p>
-          <a:p>
-            <a:r>
-              <a:rPr lang="en-AU" dirty="0">
-                <a:solidFill>
-                  <a:schemeClr val="bg1"/>
-                </a:solidFill>
-              </a:rPr>
-              <a:t>- </a:t>
-            </a:r>
-            <a:r>
-              <a:rPr lang="en-AU" dirty="0" err="1">
-                <a:solidFill>
-                  <a:schemeClr val="bg1"/>
-                </a:solidFill>
-              </a:rPr>
-              <a:t>Axios</a:t>
-            </a:r>
-            <a:r>
-              <a:rPr lang="en-AU" dirty="0">
-                <a:solidFill>
-                  <a:schemeClr val="bg1"/>
-                </a:solidFill>
-              </a:rPr>
-              <a:t> will then get the URL</a:t>
-            </a:r>
-          </a:p>
-          <a:p>
-            <a:r>
-              <a:rPr lang="en-AU" dirty="0">
-                <a:solidFill>
-                  <a:schemeClr val="bg1"/>
-                </a:solidFill>
-              </a:rPr>
-              <a:t>- Cheerio will scrape the article headings and text from the page and input them into a variable (trimmed to 2999 characters due to free limits on AWS)</a:t>
-            </a:r>
-          </a:p>
-          <a:p>
-            <a:r>
-              <a:rPr lang="en-AU" dirty="0">
-                <a:solidFill>
-                  <a:schemeClr val="bg1"/>
-                </a:solidFill>
-              </a:rPr>
-              <a:t>- Using parameters given (including the text) Amazon Polly will then Synthesize the text into the HTML Audio player for output</a:t>
-            </a:r>
-          </a:p>
-          <a:p>
-            <a:r>
-              <a:rPr lang="en-AU" dirty="0">
-                <a:solidFill>
-                  <a:schemeClr val="bg1"/>
-                </a:solidFill>
-              </a:rPr>
-              <a:t>- Amazon Polly will also process the URL into a clickable link</a:t>
-            </a:r>
-          </a:p>
-          <a:p>
-            <a:r>
-              <a:rPr lang="en-AU" dirty="0">
-                <a:solidFill>
-                  <a:schemeClr val="bg1"/>
-                </a:solidFill>
-              </a:rPr>
-              <a:t>- The Article Title Will Output for reference</a:t>
-            </a:r>
-          </a:p>
-          <a:p>
-            <a:r>
-              <a:rPr lang="en-AU" dirty="0">
-                <a:solidFill>
-                  <a:schemeClr val="bg1"/>
-                </a:solidFill>
-              </a:rPr>
-              <a:t>- Notification for ready to play</a:t>
-            </a:r>
-          </a:p>
-          <a:p>
-            <a:endParaRPr lang="en-US" dirty="0">
-              <a:solidFill>
-                <a:schemeClr val="bg1"/>
-              </a:solidFill>
-            </a:endParaRPr>
-          </a:p>
-        </p:txBody>
-      </p:sp>
+      </p:pic>
+      <p:pic>
+        <p:nvPicPr>
+          <p:cNvPr id="8" name="Picture 7" descr="A picture containing screenshot, screen, holding, player&#10;&#10;Description automatically generated">
+            <a:extLst>
+              <a:ext uri="{FF2B5EF4-FFF2-40B4-BE49-F238E27FC236}">
+                <a16:creationId xmlns:a16="http://schemas.microsoft.com/office/drawing/2014/main" id="{2FC77A4E-573B-2648-887D-090D2D7D2F34}"/>
+              </a:ext>
+            </a:extLst>
+          </p:cNvPr>
+          <p:cNvPicPr>
+            <a:picLocks noChangeAspect="1"/>
+          </p:cNvPicPr>
+          <p:nvPr/>
+        </p:nvPicPr>
+        <p:blipFill>
+          <a:blip r:embed="rId3"/>
+          <a:stretch>
+            <a:fillRect/>
+          </a:stretch>
+        </p:blipFill>
+        <p:spPr>
+          <a:xfrm>
+            <a:off x="6700435" y="4090482"/>
+            <a:ext cx="4935966" cy="1933343"/>
+          </a:xfrm>
+          <a:prstGeom prst="rect">
+            <a:avLst/>
+          </a:prstGeom>
+        </p:spPr>
+      </p:pic>
+      <p:cxnSp>
+        <p:nvCxnSpPr>
+          <p:cNvPr id="20" name="Straight Arrow Connector 19">
+            <a:extLst>
+              <a:ext uri="{FF2B5EF4-FFF2-40B4-BE49-F238E27FC236}">
+                <a16:creationId xmlns:a16="http://schemas.microsoft.com/office/drawing/2014/main" id="{8491535F-F570-654A-ABD8-BDA7766750B5}"/>
+              </a:ext>
+            </a:extLst>
+          </p:cNvPr>
+          <p:cNvCxnSpPr/>
+          <p:nvPr/>
+        </p:nvCxnSpPr>
+        <p:spPr>
+          <a:xfrm>
+            <a:off x="5449330" y="2014151"/>
+            <a:ext cx="1075038" cy="383060"/>
+          </a:xfrm>
+          <a:prstGeom prst="straightConnector1">
+            <a:avLst/>
+          </a:prstGeom>
+          <a:ln>
+            <a:solidFill>
+              <a:srgbClr val="92D050"/>
+            </a:solidFill>
+            <a:tailEnd type="triangle"/>
+          </a:ln>
+        </p:spPr>
+        <p:style>
+          <a:lnRef idx="1">
+            <a:schemeClr val="accent1"/>
+          </a:lnRef>
+          <a:fillRef idx="0">
+            <a:schemeClr val="accent1"/>
+          </a:fillRef>
+          <a:effectRef idx="0">
+            <a:schemeClr val="accent1"/>
+          </a:effectRef>
+          <a:fontRef idx="minor">
+            <a:schemeClr val="tx1"/>
+          </a:fontRef>
+        </p:style>
+      </p:cxnSp>
+      <p:cxnSp>
+        <p:nvCxnSpPr>
+          <p:cNvPr id="21" name="Straight Arrow Connector 20">
+            <a:extLst>
+              <a:ext uri="{FF2B5EF4-FFF2-40B4-BE49-F238E27FC236}">
+                <a16:creationId xmlns:a16="http://schemas.microsoft.com/office/drawing/2014/main" id="{D25F28E0-5518-A641-85B7-02B2B0E179C3}"/>
+              </a:ext>
+            </a:extLst>
+          </p:cNvPr>
+          <p:cNvCxnSpPr>
+            <a:cxnSpLocks/>
+          </p:cNvCxnSpPr>
+          <p:nvPr/>
+        </p:nvCxnSpPr>
+        <p:spPr>
+          <a:xfrm flipV="1">
+            <a:off x="5478162" y="1660890"/>
+            <a:ext cx="1046206" cy="1775722"/>
+          </a:xfrm>
+          <a:prstGeom prst="straightConnector1">
+            <a:avLst/>
+          </a:prstGeom>
+          <a:ln>
+            <a:solidFill>
+              <a:srgbClr val="92D050"/>
+            </a:solidFill>
+            <a:tailEnd type="triangle"/>
+          </a:ln>
+        </p:spPr>
+        <p:style>
+          <a:lnRef idx="1">
+            <a:schemeClr val="accent1"/>
+          </a:lnRef>
+          <a:fillRef idx="0">
+            <a:schemeClr val="accent1"/>
+          </a:fillRef>
+          <a:effectRef idx="0">
+            <a:schemeClr val="accent1"/>
+          </a:effectRef>
+          <a:fontRef idx="minor">
+            <a:schemeClr val="tx1"/>
+          </a:fontRef>
+        </p:style>
+      </p:cxnSp>
+      <p:cxnSp>
+        <p:nvCxnSpPr>
+          <p:cNvPr id="23" name="Straight Arrow Connector 22">
+            <a:extLst>
+              <a:ext uri="{FF2B5EF4-FFF2-40B4-BE49-F238E27FC236}">
+                <a16:creationId xmlns:a16="http://schemas.microsoft.com/office/drawing/2014/main" id="{8E8358C7-2831-A44B-85E2-9A1A25ACDC34}"/>
+              </a:ext>
+            </a:extLst>
+          </p:cNvPr>
+          <p:cNvCxnSpPr>
+            <a:cxnSpLocks/>
+          </p:cNvCxnSpPr>
+          <p:nvPr/>
+        </p:nvCxnSpPr>
+        <p:spPr>
+          <a:xfrm>
+            <a:off x="5443152" y="5057153"/>
+            <a:ext cx="1110048" cy="589885"/>
+          </a:xfrm>
+          <a:prstGeom prst="straightConnector1">
+            <a:avLst/>
+          </a:prstGeom>
+          <a:ln>
+            <a:solidFill>
+              <a:srgbClr val="92D050"/>
+            </a:solidFill>
+            <a:tailEnd type="triangle"/>
+          </a:ln>
+        </p:spPr>
+        <p:style>
+          <a:lnRef idx="1">
+            <a:schemeClr val="accent1"/>
+          </a:lnRef>
+          <a:fillRef idx="0">
+            <a:schemeClr val="accent1"/>
+          </a:fillRef>
+          <a:effectRef idx="0">
+            <a:schemeClr val="accent1"/>
+          </a:effectRef>
+          <a:fontRef idx="minor">
+            <a:schemeClr val="tx1"/>
+          </a:fontRef>
+        </p:style>
+      </p:cxnSp>
+      <p:cxnSp>
+        <p:nvCxnSpPr>
+          <p:cNvPr id="25" name="Straight Arrow Connector 24">
+            <a:extLst>
+              <a:ext uri="{FF2B5EF4-FFF2-40B4-BE49-F238E27FC236}">
+                <a16:creationId xmlns:a16="http://schemas.microsoft.com/office/drawing/2014/main" id="{CB551C0D-FB50-B042-A9CF-1CE217824FF9}"/>
+              </a:ext>
+            </a:extLst>
+          </p:cNvPr>
+          <p:cNvCxnSpPr>
+            <a:cxnSpLocks/>
+          </p:cNvCxnSpPr>
+          <p:nvPr/>
+        </p:nvCxnSpPr>
+        <p:spPr>
+          <a:xfrm flipV="1">
+            <a:off x="4923138" y="3523179"/>
+            <a:ext cx="1777297" cy="1378988"/>
+          </a:xfrm>
+          <a:prstGeom prst="straightConnector1">
+            <a:avLst/>
+          </a:prstGeom>
+          <a:ln>
+            <a:solidFill>
+              <a:srgbClr val="92D050"/>
+            </a:solidFill>
+            <a:tailEnd type="triangle"/>
+          </a:ln>
+        </p:spPr>
+        <p:style>
+          <a:lnRef idx="1">
+            <a:schemeClr val="accent1"/>
+          </a:lnRef>
+          <a:fillRef idx="0">
+            <a:schemeClr val="accent1"/>
+          </a:fillRef>
+          <a:effectRef idx="0">
+            <a:schemeClr val="accent1"/>
+          </a:effectRef>
+          <a:fontRef idx="minor">
+            <a:schemeClr val="tx1"/>
+          </a:fontRef>
+        </p:style>
+      </p:cxnSp>
     </p:spTree>
     <p:extLst>
       <p:ext uri="{BB962C8B-B14F-4D97-AF65-F5344CB8AC3E}">
-        <p14:creationId xmlns:p14="http://schemas.microsoft.com/office/powerpoint/2010/main" val="2683436852"/>
+        <p14:creationId xmlns:p14="http://schemas.microsoft.com/office/powerpoint/2010/main" val="4042934607"/>
       </p:ext>
     </p:extLst>
   </p:cSld>
@@ -4427,58 +4876,19 @@
           <a:chExt cx="0" cy="0"/>
         </a:xfrm>
       </p:grpSpPr>
-      <p:sp>
-        <p:nvSpPr>
-          <p:cNvPr id="2" name="Title 1">
-            <a:extLst>
-              <a:ext uri="{FF2B5EF4-FFF2-40B4-BE49-F238E27FC236}">
-                <a16:creationId xmlns:a16="http://schemas.microsoft.com/office/drawing/2014/main" id="{9C867976-69D3-054A-920E-306A64F617C5}"/>
-              </a:ext>
-            </a:extLst>
-          </p:cNvPr>
-          <p:cNvSpPr>
-            <a:spLocks noGrp="1"/>
-          </p:cNvSpPr>
-          <p:nvPr>
-            <p:ph type="title"/>
-          </p:nvPr>
-        </p:nvSpPr>
-        <p:spPr/>
-        <p:txBody>
-          <a:bodyPr/>
-          <a:lstStyle/>
-          <a:p>
-            <a:r>
-              <a:rPr lang="en-US">
-                <a:solidFill>
-                  <a:schemeClr val="bg1"/>
-                </a:solidFill>
-              </a:rPr>
-              <a:t>Code Snippets</a:t>
-            </a:r>
-            <a:endParaRPr lang="en-US" dirty="0">
-              <a:solidFill>
-                <a:schemeClr val="bg1"/>
-              </a:solidFill>
-            </a:endParaRPr>
-          </a:p>
-        </p:txBody>
-      </p:sp>
       <p:pic>
         <p:nvPicPr>
-          <p:cNvPr id="5" name="Content Placeholder 4" descr="A screenshot of a cell phone&#10;&#10;Description automatically generated">
-            <a:extLst>
-              <a:ext uri="{FF2B5EF4-FFF2-40B4-BE49-F238E27FC236}">
-                <a16:creationId xmlns:a16="http://schemas.microsoft.com/office/drawing/2014/main" id="{2272E13F-7F07-5045-8B5A-EDD4BBE26F6E}"/>
+          <p:cNvPr id="10" name="Content Placeholder 4" descr="A screenshot of a cell phone&#10;&#10;Description automatically generated">
+            <a:extLst>
+              <a:ext uri="{FF2B5EF4-FFF2-40B4-BE49-F238E27FC236}">
+                <a16:creationId xmlns:a16="http://schemas.microsoft.com/office/drawing/2014/main" id="{87EAEC0D-50F3-F44B-BC53-178D6390CE7E}"/>
               </a:ext>
             </a:extLst>
           </p:cNvPr>
           <p:cNvPicPr>
-            <a:picLocks noGrp="1" noChangeAspect="1"/>
+            <a:picLocks noChangeAspect="1"/>
           </p:cNvPicPr>
-          <p:nvPr>
-            <p:ph idx="1"/>
-          </p:nvPr>
+          <p:nvPr/>
         </p:nvPicPr>
         <p:blipFill>
           <a:blip r:embed="rId2"/>
@@ -4488,18 +4898,310 @@
         </p:blipFill>
         <p:spPr>
           <a:xfrm>
-            <a:off x="415156" y="1331796"/>
-            <a:ext cx="4995543" cy="2697593"/>
+            <a:off x="6945418" y="82857"/>
+            <a:ext cx="4661194" cy="4534301"/>
           </a:xfrm>
+          <a:prstGeom prst="rect">
+            <a:avLst/>
+          </a:prstGeom>
           <a:noFill/>
         </p:spPr>
       </p:pic>
+      <p:sp>
+        <p:nvSpPr>
+          <p:cNvPr id="8" name="Content Placeholder 4">
+            <a:extLst>
+              <a:ext uri="{FF2B5EF4-FFF2-40B4-BE49-F238E27FC236}">
+                <a16:creationId xmlns:a16="http://schemas.microsoft.com/office/drawing/2014/main" id="{B151C7D2-5BE2-2348-A464-E5FBF86F1DBD}"/>
+              </a:ext>
+            </a:extLst>
+          </p:cNvPr>
+          <p:cNvSpPr txBox="1">
+            <a:spLocks/>
+          </p:cNvSpPr>
+          <p:nvPr/>
+        </p:nvSpPr>
+        <p:spPr>
+          <a:xfrm>
+            <a:off x="764060" y="1094650"/>
+            <a:ext cx="5062377" cy="4883184"/>
+          </a:xfrm>
+          <a:prstGeom prst="rect">
+            <a:avLst/>
+          </a:prstGeom>
+        </p:spPr>
+        <p:txBody>
+          <a:bodyPr vert="horz" lIns="91440" tIns="45720" rIns="91440" bIns="45720" rtlCol="0">
+            <a:normAutofit fontScale="85000" lnSpcReduction="20000"/>
+          </a:bodyPr>
+          <a:lstStyle>
+            <a:lvl1pPr marL="228600" indent="-228600" algn="l" defTabSz="914400" rtl="0" eaLnBrk="1" latinLnBrk="0" hangingPunct="1">
+              <a:lnSpc>
+                <a:spcPct val="90000"/>
+              </a:lnSpc>
+              <a:spcBef>
+                <a:spcPts val="1000"/>
+              </a:spcBef>
+              <a:buFont typeface="Arial" panose="020B0604020202020204" pitchFamily="34" charset="0"/>
+              <a:buChar char="•"/>
+              <a:defRPr sz="2800" kern="1200">
+                <a:solidFill>
+                  <a:schemeClr val="tx1"/>
+                </a:solidFill>
+                <a:latin typeface="+mn-lt"/>
+                <a:ea typeface="+mn-ea"/>
+                <a:cs typeface="+mn-cs"/>
+              </a:defRPr>
+            </a:lvl1pPr>
+            <a:lvl2pPr marL="685800" indent="-228600" algn="l" defTabSz="914400" rtl="0" eaLnBrk="1" latinLnBrk="0" hangingPunct="1">
+              <a:lnSpc>
+                <a:spcPct val="90000"/>
+              </a:lnSpc>
+              <a:spcBef>
+                <a:spcPts val="500"/>
+              </a:spcBef>
+              <a:buFont typeface="Arial" panose="020B0604020202020204" pitchFamily="34" charset="0"/>
+              <a:buChar char="•"/>
+              <a:defRPr sz="2400" kern="1200">
+                <a:solidFill>
+                  <a:schemeClr val="tx1"/>
+                </a:solidFill>
+                <a:latin typeface="+mn-lt"/>
+                <a:ea typeface="+mn-ea"/>
+                <a:cs typeface="+mn-cs"/>
+              </a:defRPr>
+            </a:lvl2pPr>
+            <a:lvl3pPr marL="1143000" indent="-228600" algn="l" defTabSz="914400" rtl="0" eaLnBrk="1" latinLnBrk="0" hangingPunct="1">
+              <a:lnSpc>
+                <a:spcPct val="90000"/>
+              </a:lnSpc>
+              <a:spcBef>
+                <a:spcPts val="500"/>
+              </a:spcBef>
+              <a:buFont typeface="Arial" panose="020B0604020202020204" pitchFamily="34" charset="0"/>
+              <a:buChar char="•"/>
+              <a:defRPr sz="2000" kern="1200">
+                <a:solidFill>
+                  <a:schemeClr val="tx1"/>
+                </a:solidFill>
+                <a:latin typeface="+mn-lt"/>
+                <a:ea typeface="+mn-ea"/>
+                <a:cs typeface="+mn-cs"/>
+              </a:defRPr>
+            </a:lvl3pPr>
+            <a:lvl4pPr marL="1600200" indent="-228600" algn="l" defTabSz="914400" rtl="0" eaLnBrk="1" latinLnBrk="0" hangingPunct="1">
+              <a:lnSpc>
+                <a:spcPct val="90000"/>
+              </a:lnSpc>
+              <a:spcBef>
+                <a:spcPts val="500"/>
+              </a:spcBef>
+              <a:buFont typeface="Arial" panose="020B0604020202020204" pitchFamily="34" charset="0"/>
+              <a:buChar char="•"/>
+              <a:defRPr sz="1800" kern="1200">
+                <a:solidFill>
+                  <a:schemeClr val="tx1"/>
+                </a:solidFill>
+                <a:latin typeface="+mn-lt"/>
+                <a:ea typeface="+mn-ea"/>
+                <a:cs typeface="+mn-cs"/>
+              </a:defRPr>
+            </a:lvl4pPr>
+            <a:lvl5pPr marL="2057400" indent="-228600" algn="l" defTabSz="914400" rtl="0" eaLnBrk="1" latinLnBrk="0" hangingPunct="1">
+              <a:lnSpc>
+                <a:spcPct val="90000"/>
+              </a:lnSpc>
+              <a:spcBef>
+                <a:spcPts val="500"/>
+              </a:spcBef>
+              <a:buFont typeface="Arial" panose="020B0604020202020204" pitchFamily="34" charset="0"/>
+              <a:buChar char="•"/>
+              <a:defRPr sz="1800" kern="1200">
+                <a:solidFill>
+                  <a:schemeClr val="tx1"/>
+                </a:solidFill>
+                <a:latin typeface="+mn-lt"/>
+                <a:ea typeface="+mn-ea"/>
+                <a:cs typeface="+mn-cs"/>
+              </a:defRPr>
+            </a:lvl5pPr>
+            <a:lvl6pPr marL="2514600" indent="-228600" algn="l" defTabSz="914400" rtl="0" eaLnBrk="1" latinLnBrk="0" hangingPunct="1">
+              <a:lnSpc>
+                <a:spcPct val="90000"/>
+              </a:lnSpc>
+              <a:spcBef>
+                <a:spcPts val="500"/>
+              </a:spcBef>
+              <a:buFont typeface="Arial" panose="020B0604020202020204" pitchFamily="34" charset="0"/>
+              <a:buChar char="•"/>
+              <a:defRPr sz="1800" kern="1200">
+                <a:solidFill>
+                  <a:schemeClr val="tx1"/>
+                </a:solidFill>
+                <a:latin typeface="+mn-lt"/>
+                <a:ea typeface="+mn-ea"/>
+                <a:cs typeface="+mn-cs"/>
+              </a:defRPr>
+            </a:lvl6pPr>
+            <a:lvl7pPr marL="2971800" indent="-228600" algn="l" defTabSz="914400" rtl="0" eaLnBrk="1" latinLnBrk="0" hangingPunct="1">
+              <a:lnSpc>
+                <a:spcPct val="90000"/>
+              </a:lnSpc>
+              <a:spcBef>
+                <a:spcPts val="500"/>
+              </a:spcBef>
+              <a:buFont typeface="Arial" panose="020B0604020202020204" pitchFamily="34" charset="0"/>
+              <a:buChar char="•"/>
+              <a:defRPr sz="1800" kern="1200">
+                <a:solidFill>
+                  <a:schemeClr val="tx1"/>
+                </a:solidFill>
+                <a:latin typeface="+mn-lt"/>
+                <a:ea typeface="+mn-ea"/>
+                <a:cs typeface="+mn-cs"/>
+              </a:defRPr>
+            </a:lvl7pPr>
+            <a:lvl8pPr marL="3429000" indent="-228600" algn="l" defTabSz="914400" rtl="0" eaLnBrk="1" latinLnBrk="0" hangingPunct="1">
+              <a:lnSpc>
+                <a:spcPct val="90000"/>
+              </a:lnSpc>
+              <a:spcBef>
+                <a:spcPts val="500"/>
+              </a:spcBef>
+              <a:buFont typeface="Arial" panose="020B0604020202020204" pitchFamily="34" charset="0"/>
+              <a:buChar char="•"/>
+              <a:defRPr sz="1800" kern="1200">
+                <a:solidFill>
+                  <a:schemeClr val="tx1"/>
+                </a:solidFill>
+                <a:latin typeface="+mn-lt"/>
+                <a:ea typeface="+mn-ea"/>
+                <a:cs typeface="+mn-cs"/>
+              </a:defRPr>
+            </a:lvl8pPr>
+            <a:lvl9pPr marL="3886200" indent="-228600" algn="l" defTabSz="914400" rtl="0" eaLnBrk="1" latinLnBrk="0" hangingPunct="1">
+              <a:lnSpc>
+                <a:spcPct val="90000"/>
+              </a:lnSpc>
+              <a:spcBef>
+                <a:spcPts val="500"/>
+              </a:spcBef>
+              <a:buFont typeface="Arial" panose="020B0604020202020204" pitchFamily="34" charset="0"/>
+              <a:buChar char="•"/>
+              <a:defRPr sz="1800" kern="1200">
+                <a:solidFill>
+                  <a:schemeClr val="tx1"/>
+                </a:solidFill>
+                <a:latin typeface="+mn-lt"/>
+                <a:ea typeface="+mn-ea"/>
+                <a:cs typeface="+mn-cs"/>
+              </a:defRPr>
+            </a:lvl9pPr>
+          </a:lstStyle>
+          <a:p>
+            <a:r>
+              <a:rPr lang="en-AU" dirty="0">
+                <a:solidFill>
+                  <a:schemeClr val="bg1"/>
+                </a:solidFill>
+              </a:rPr>
+              <a:t>User can input a URL into the search </a:t>
+            </a:r>
+          </a:p>
+          <a:p>
+            <a:r>
+              <a:rPr lang="en-AU" dirty="0">
+                <a:solidFill>
+                  <a:schemeClr val="bg1"/>
+                </a:solidFill>
+              </a:rPr>
+              <a:t> Starts an Async function</a:t>
+            </a:r>
+          </a:p>
+          <a:p>
+            <a:r>
+              <a:rPr lang="en-AU" dirty="0">
+                <a:solidFill>
+                  <a:schemeClr val="bg1"/>
+                </a:solidFill>
+              </a:rPr>
+              <a:t>When loading a loading bar will appear</a:t>
+            </a:r>
+          </a:p>
+          <a:p>
+            <a:r>
+              <a:rPr lang="en-AU" dirty="0">
+                <a:solidFill>
+                  <a:schemeClr val="bg1"/>
+                </a:solidFill>
+              </a:rPr>
+              <a:t> </a:t>
+            </a:r>
+            <a:r>
+              <a:rPr lang="en-AU" dirty="0" err="1">
+                <a:solidFill>
+                  <a:schemeClr val="bg1"/>
+                </a:solidFill>
+              </a:rPr>
+              <a:t>Axios</a:t>
+            </a:r>
+            <a:r>
+              <a:rPr lang="en-AU" dirty="0">
+                <a:solidFill>
+                  <a:schemeClr val="bg1"/>
+                </a:solidFill>
+              </a:rPr>
+              <a:t> will then get the URL</a:t>
+            </a:r>
+          </a:p>
+          <a:p>
+            <a:r>
+              <a:rPr lang="en-AU" dirty="0">
+                <a:solidFill>
+                  <a:schemeClr val="bg1"/>
+                </a:solidFill>
+              </a:rPr>
+              <a:t> Cheerio will scrape the article headings and text from the page and input them into a variable</a:t>
+            </a:r>
+          </a:p>
+          <a:p>
+            <a:r>
+              <a:rPr lang="en-AU" dirty="0">
+                <a:solidFill>
+                  <a:schemeClr val="bg1"/>
+                </a:solidFill>
+              </a:rPr>
+              <a:t>Trimmed the story length using substring due to character limits on free AWS</a:t>
+            </a:r>
+          </a:p>
+          <a:p>
+            <a:r>
+              <a:rPr lang="en-AU" dirty="0">
+                <a:solidFill>
+                  <a:schemeClr val="bg1"/>
+                </a:solidFill>
+              </a:rPr>
+              <a:t>Loading stops once that article title has appended to the page and link alert appended</a:t>
+            </a:r>
+          </a:p>
+          <a:p>
+            <a:endParaRPr lang="en-AU" dirty="0">
+              <a:solidFill>
+                <a:schemeClr val="bg1"/>
+              </a:solidFill>
+            </a:endParaRPr>
+          </a:p>
+          <a:p>
+            <a:endParaRPr lang="en-US" dirty="0"/>
+          </a:p>
+        </p:txBody>
+      </p:sp>
       <p:pic>
         <p:nvPicPr>
-          <p:cNvPr id="7" name="Picture 6" descr="A picture containing screenshot, screen, holding, player&#10;&#10;Description automatically generated">
-            <a:extLst>
-              <a:ext uri="{FF2B5EF4-FFF2-40B4-BE49-F238E27FC236}">
-                <a16:creationId xmlns:a16="http://schemas.microsoft.com/office/drawing/2014/main" id="{605EBFA1-0072-8D43-B84A-3116155F7B08}"/>
+          <p:cNvPr id="9" name="Picture 8" descr="A screenshot of a cell phone&#10;&#10;Description automatically generated">
+            <a:extLst>
+              <a:ext uri="{FF2B5EF4-FFF2-40B4-BE49-F238E27FC236}">
+                <a16:creationId xmlns:a16="http://schemas.microsoft.com/office/drawing/2014/main" id="{9AEDB17C-5ED5-034B-92A6-F4C6CD230283}"/>
               </a:ext>
             </a:extLst>
           </p:cNvPr>
@@ -4516,45 +5218,322 @@
         </p:blipFill>
         <p:spPr>
           <a:xfrm>
-            <a:off x="479083" y="4705305"/>
-            <a:ext cx="4935966" cy="1933343"/>
+            <a:off x="6945418" y="4617158"/>
+            <a:ext cx="4661194" cy="2343763"/>
           </a:xfrm>
           <a:prstGeom prst="rect">
             <a:avLst/>
           </a:prstGeom>
         </p:spPr>
       </p:pic>
-      <p:pic>
-        <p:nvPicPr>
-          <p:cNvPr id="10" name="Content Placeholder 4" descr="A screenshot of a cell phone&#10;&#10;Description automatically generated">
-            <a:extLst>
-              <a:ext uri="{FF2B5EF4-FFF2-40B4-BE49-F238E27FC236}">
-                <a16:creationId xmlns:a16="http://schemas.microsoft.com/office/drawing/2014/main" id="{87EAEC0D-50F3-F44B-BC53-178D6390CE7E}"/>
-              </a:ext>
-            </a:extLst>
-          </p:cNvPr>
-          <p:cNvPicPr>
-            <a:picLocks noChangeAspect="1"/>
-          </p:cNvPicPr>
+      <p:cxnSp>
+        <p:nvCxnSpPr>
+          <p:cNvPr id="12" name="Straight Arrow Connector 11">
+            <a:extLst>
+              <a:ext uri="{FF2B5EF4-FFF2-40B4-BE49-F238E27FC236}">
+                <a16:creationId xmlns:a16="http://schemas.microsoft.com/office/drawing/2014/main" id="{8D53C44E-D30C-864A-AAE7-BFE810786915}"/>
+              </a:ext>
+            </a:extLst>
+          </p:cNvPr>
+          <p:cNvCxnSpPr>
+            <a:cxnSpLocks/>
+          </p:cNvCxnSpPr>
           <p:nvPr/>
-        </p:nvPicPr>
-        <p:blipFill>
-          <a:blip r:embed="rId4"/>
-          <a:stretch>
-            <a:fillRect/>
-          </a:stretch>
-        </p:blipFill>
+        </p:nvCxnSpPr>
         <p:spPr>
           <a:xfrm>
-            <a:off x="5935227" y="365125"/>
-            <a:ext cx="5988818" cy="5825784"/>
+            <a:off x="5826437" y="1235675"/>
+            <a:ext cx="969779" cy="111211"/>
           </a:xfrm>
-          <a:prstGeom prst="rect">
+          <a:prstGeom prst="straightConnector1">
             <a:avLst/>
           </a:prstGeom>
-          <a:noFill/>
+          <a:ln>
+            <a:solidFill>
+              <a:srgbClr val="92D050"/>
+            </a:solidFill>
+            <a:tailEnd type="triangle"/>
+          </a:ln>
         </p:spPr>
-      </p:pic>
+        <p:style>
+          <a:lnRef idx="1">
+            <a:schemeClr val="accent1"/>
+          </a:lnRef>
+          <a:fillRef idx="0">
+            <a:schemeClr val="accent1"/>
+          </a:fillRef>
+          <a:effectRef idx="0">
+            <a:schemeClr val="accent1"/>
+          </a:effectRef>
+          <a:fontRef idx="minor">
+            <a:schemeClr val="tx1"/>
+          </a:fontRef>
+        </p:style>
+      </p:cxnSp>
+      <p:cxnSp>
+        <p:nvCxnSpPr>
+          <p:cNvPr id="14" name="Straight Arrow Connector 13">
+            <a:extLst>
+              <a:ext uri="{FF2B5EF4-FFF2-40B4-BE49-F238E27FC236}">
+                <a16:creationId xmlns:a16="http://schemas.microsoft.com/office/drawing/2014/main" id="{6B77B28F-7359-974B-BA3C-506092711176}"/>
+              </a:ext>
+            </a:extLst>
+          </p:cNvPr>
+          <p:cNvCxnSpPr>
+            <a:cxnSpLocks/>
+          </p:cNvCxnSpPr>
+          <p:nvPr/>
+        </p:nvCxnSpPr>
+        <p:spPr>
+          <a:xfrm flipV="1">
+            <a:off x="4347746" y="506627"/>
+            <a:ext cx="2448470" cy="1190367"/>
+          </a:xfrm>
+          <a:prstGeom prst="straightConnector1">
+            <a:avLst/>
+          </a:prstGeom>
+          <a:ln>
+            <a:solidFill>
+              <a:srgbClr val="92D050"/>
+            </a:solidFill>
+            <a:tailEnd type="triangle"/>
+          </a:ln>
+        </p:spPr>
+        <p:style>
+          <a:lnRef idx="1">
+            <a:schemeClr val="accent1"/>
+          </a:lnRef>
+          <a:fillRef idx="0">
+            <a:schemeClr val="accent1"/>
+          </a:fillRef>
+          <a:effectRef idx="0">
+            <a:schemeClr val="accent1"/>
+          </a:effectRef>
+          <a:fontRef idx="minor">
+            <a:schemeClr val="tx1"/>
+          </a:fontRef>
+        </p:style>
+      </p:cxnSp>
+      <p:cxnSp>
+        <p:nvCxnSpPr>
+          <p:cNvPr id="16" name="Straight Arrow Connector 15">
+            <a:extLst>
+              <a:ext uri="{FF2B5EF4-FFF2-40B4-BE49-F238E27FC236}">
+                <a16:creationId xmlns:a16="http://schemas.microsoft.com/office/drawing/2014/main" id="{F7283681-D526-2B48-AC34-3F3724993282}"/>
+              </a:ext>
+            </a:extLst>
+          </p:cNvPr>
+          <p:cNvCxnSpPr>
+            <a:cxnSpLocks/>
+          </p:cNvCxnSpPr>
+          <p:nvPr/>
+        </p:nvCxnSpPr>
+        <p:spPr>
+          <a:xfrm flipV="1">
+            <a:off x="5005860" y="968532"/>
+            <a:ext cx="1790356" cy="1260879"/>
+          </a:xfrm>
+          <a:prstGeom prst="straightConnector1">
+            <a:avLst/>
+          </a:prstGeom>
+          <a:ln>
+            <a:solidFill>
+              <a:srgbClr val="92D050"/>
+            </a:solidFill>
+            <a:tailEnd type="triangle"/>
+          </a:ln>
+        </p:spPr>
+        <p:style>
+          <a:lnRef idx="1">
+            <a:schemeClr val="accent1"/>
+          </a:lnRef>
+          <a:fillRef idx="0">
+            <a:schemeClr val="accent1"/>
+          </a:fillRef>
+          <a:effectRef idx="0">
+            <a:schemeClr val="accent1"/>
+          </a:effectRef>
+          <a:fontRef idx="minor">
+            <a:schemeClr val="tx1"/>
+          </a:fontRef>
+        </p:style>
+      </p:cxnSp>
+      <p:cxnSp>
+        <p:nvCxnSpPr>
+          <p:cNvPr id="18" name="Straight Arrow Connector 17">
+            <a:extLst>
+              <a:ext uri="{FF2B5EF4-FFF2-40B4-BE49-F238E27FC236}">
+                <a16:creationId xmlns:a16="http://schemas.microsoft.com/office/drawing/2014/main" id="{91A6BB8D-7BE1-0740-B189-48C7FF83D011}"/>
+              </a:ext>
+            </a:extLst>
+          </p:cNvPr>
+          <p:cNvCxnSpPr>
+            <a:cxnSpLocks/>
+          </p:cNvCxnSpPr>
+          <p:nvPr/>
+        </p:nvCxnSpPr>
+        <p:spPr>
+          <a:xfrm flipV="1">
+            <a:off x="4595572" y="1487911"/>
+            <a:ext cx="2349846" cy="1245973"/>
+          </a:xfrm>
+          <a:prstGeom prst="straightConnector1">
+            <a:avLst/>
+          </a:prstGeom>
+          <a:ln>
+            <a:solidFill>
+              <a:srgbClr val="92D050"/>
+            </a:solidFill>
+            <a:tailEnd type="triangle"/>
+          </a:ln>
+        </p:spPr>
+        <p:style>
+          <a:lnRef idx="1">
+            <a:schemeClr val="accent1"/>
+          </a:lnRef>
+          <a:fillRef idx="0">
+            <a:schemeClr val="accent1"/>
+          </a:fillRef>
+          <a:effectRef idx="0">
+            <a:schemeClr val="accent1"/>
+          </a:effectRef>
+          <a:fontRef idx="minor">
+            <a:schemeClr val="tx1"/>
+          </a:fontRef>
+        </p:style>
+      </p:cxnSp>
+      <p:cxnSp>
+        <p:nvCxnSpPr>
+          <p:cNvPr id="20" name="Straight Arrow Connector 19">
+            <a:extLst>
+              <a:ext uri="{FF2B5EF4-FFF2-40B4-BE49-F238E27FC236}">
+                <a16:creationId xmlns:a16="http://schemas.microsoft.com/office/drawing/2014/main" id="{3BC0F6E6-E88F-CE43-B357-517461442474}"/>
+              </a:ext>
+            </a:extLst>
+          </p:cNvPr>
+          <p:cNvCxnSpPr>
+            <a:cxnSpLocks/>
+          </p:cNvCxnSpPr>
+          <p:nvPr/>
+        </p:nvCxnSpPr>
+        <p:spPr>
+          <a:xfrm flipV="1">
+            <a:off x="5061802" y="2158899"/>
+            <a:ext cx="1883616" cy="840068"/>
+          </a:xfrm>
+          <a:prstGeom prst="straightConnector1">
+            <a:avLst/>
+          </a:prstGeom>
+          <a:ln>
+            <a:solidFill>
+              <a:srgbClr val="92D050"/>
+            </a:solidFill>
+            <a:tailEnd type="triangle"/>
+          </a:ln>
+        </p:spPr>
+        <p:style>
+          <a:lnRef idx="1">
+            <a:schemeClr val="accent1"/>
+          </a:lnRef>
+          <a:fillRef idx="0">
+            <a:schemeClr val="accent1"/>
+          </a:fillRef>
+          <a:effectRef idx="0">
+            <a:schemeClr val="accent1"/>
+          </a:effectRef>
+          <a:fontRef idx="minor">
+            <a:schemeClr val="tx1"/>
+          </a:fontRef>
+        </p:style>
+      </p:cxnSp>
+      <p:cxnSp>
+        <p:nvCxnSpPr>
+          <p:cNvPr id="22" name="Straight Arrow Connector 21">
+            <a:extLst>
+              <a:ext uri="{FF2B5EF4-FFF2-40B4-BE49-F238E27FC236}">
+                <a16:creationId xmlns:a16="http://schemas.microsoft.com/office/drawing/2014/main" id="{C4FFB255-9734-0044-8E26-93957ED2B8B8}"/>
+              </a:ext>
+            </a:extLst>
+          </p:cNvPr>
+          <p:cNvCxnSpPr>
+            <a:cxnSpLocks/>
+          </p:cNvCxnSpPr>
+          <p:nvPr/>
+        </p:nvCxnSpPr>
+        <p:spPr>
+          <a:xfrm>
+            <a:off x="5154192" y="3942116"/>
+            <a:ext cx="1642024" cy="387550"/>
+          </a:xfrm>
+          <a:prstGeom prst="straightConnector1">
+            <a:avLst/>
+          </a:prstGeom>
+          <a:ln>
+            <a:solidFill>
+              <a:srgbClr val="92D050"/>
+            </a:solidFill>
+            <a:tailEnd type="triangle"/>
+          </a:ln>
+        </p:spPr>
+        <p:style>
+          <a:lnRef idx="1">
+            <a:schemeClr val="accent1"/>
+          </a:lnRef>
+          <a:fillRef idx="0">
+            <a:schemeClr val="accent1"/>
+          </a:fillRef>
+          <a:effectRef idx="0">
+            <a:schemeClr val="accent1"/>
+          </a:effectRef>
+          <a:fontRef idx="minor">
+            <a:schemeClr val="tx1"/>
+          </a:fontRef>
+        </p:style>
+      </p:cxnSp>
+      <p:cxnSp>
+        <p:nvCxnSpPr>
+          <p:cNvPr id="24" name="Straight Arrow Connector 23">
+            <a:extLst>
+              <a:ext uri="{FF2B5EF4-FFF2-40B4-BE49-F238E27FC236}">
+                <a16:creationId xmlns:a16="http://schemas.microsoft.com/office/drawing/2014/main" id="{9DD93887-3EEE-F741-8A5C-6135717FE43A}"/>
+              </a:ext>
+            </a:extLst>
+          </p:cNvPr>
+          <p:cNvCxnSpPr>
+            <a:cxnSpLocks/>
+          </p:cNvCxnSpPr>
+          <p:nvPr/>
+        </p:nvCxnSpPr>
+        <p:spPr>
+          <a:xfrm>
+            <a:off x="5080026" y="5272815"/>
+            <a:ext cx="1642024" cy="387550"/>
+          </a:xfrm>
+          <a:prstGeom prst="straightConnector1">
+            <a:avLst/>
+          </a:prstGeom>
+          <a:ln>
+            <a:solidFill>
+              <a:srgbClr val="92D050"/>
+            </a:solidFill>
+            <a:tailEnd type="triangle"/>
+          </a:ln>
+        </p:spPr>
+        <p:style>
+          <a:lnRef idx="1">
+            <a:schemeClr val="accent1"/>
+          </a:lnRef>
+          <a:fillRef idx="0">
+            <a:schemeClr val="accent1"/>
+          </a:fillRef>
+          <a:effectRef idx="0">
+            <a:schemeClr val="accent1"/>
+          </a:effectRef>
+          <a:fontRef idx="minor">
+            <a:schemeClr val="tx1"/>
+          </a:fontRef>
+        </p:style>
+      </p:cxnSp>
     </p:spTree>
     <p:extLst>
       <p:ext uri="{BB962C8B-B14F-4D97-AF65-F5344CB8AC3E}">
@@ -4593,49 +5572,12 @@
           <a:chExt cx="0" cy="0"/>
         </a:xfrm>
       </p:grpSpPr>
-      <p:sp>
-        <p:nvSpPr>
-          <p:cNvPr id="2" name="Title 1">
-            <a:extLst>
-              <a:ext uri="{FF2B5EF4-FFF2-40B4-BE49-F238E27FC236}">
-                <a16:creationId xmlns:a16="http://schemas.microsoft.com/office/drawing/2014/main" id="{9C867976-69D3-054A-920E-306A64F617C5}"/>
-              </a:ext>
-            </a:extLst>
-          </p:cNvPr>
-          <p:cNvSpPr>
-            <a:spLocks noGrp="1"/>
-          </p:cNvSpPr>
-          <p:nvPr>
-            <p:ph type="title"/>
-          </p:nvPr>
-        </p:nvSpPr>
-        <p:spPr/>
-        <p:txBody>
-          <a:bodyPr/>
-          <a:lstStyle/>
-          <a:p>
-            <a:r>
-              <a:rPr lang="en-US">
-                <a:solidFill>
-                  <a:schemeClr val="bg1"/>
-                </a:solidFill>
-              </a:rPr>
-              <a:t>Code Snippets</a:t>
-            </a:r>
-            <a:endParaRPr lang="en-US" dirty="0">
-              <a:solidFill>
-                <a:schemeClr val="bg1"/>
-              </a:solidFill>
-            </a:endParaRPr>
-          </a:p>
-        </p:txBody>
-      </p:sp>
       <p:pic>
         <p:nvPicPr>
-          <p:cNvPr id="7" name="Picture 6" descr="A screenshot of a cell phone&#10;&#10;Description automatically generated">
-            <a:extLst>
-              <a:ext uri="{FF2B5EF4-FFF2-40B4-BE49-F238E27FC236}">
-                <a16:creationId xmlns:a16="http://schemas.microsoft.com/office/drawing/2014/main" id="{B334A4DB-7BE6-7741-834D-515B5FFFAD28}"/>
+          <p:cNvPr id="9" name="Picture 8" descr="A screenshot of a cell phone&#10;&#10;Description automatically generated">
+            <a:extLst>
+              <a:ext uri="{FF2B5EF4-FFF2-40B4-BE49-F238E27FC236}">
+                <a16:creationId xmlns:a16="http://schemas.microsoft.com/office/drawing/2014/main" id="{6D9CD1D5-15AF-8B4A-A022-4F90E66F8D5B}"/>
               </a:ext>
             </a:extLst>
           </p:cNvPr>
@@ -4652,8 +5594,8 @@
         </p:blipFill>
         <p:spPr>
           <a:xfrm>
-            <a:off x="214255" y="1374470"/>
-            <a:ext cx="5819740" cy="2926309"/>
+            <a:off x="6489120" y="2664946"/>
+            <a:ext cx="5336537" cy="3689362"/>
           </a:xfrm>
           <a:prstGeom prst="rect">
             <a:avLst/>
@@ -4662,10 +5604,10 @@
       </p:pic>
       <p:pic>
         <p:nvPicPr>
-          <p:cNvPr id="9" name="Picture 8" descr="A screenshot of a cell phone&#10;&#10;Description automatically generated">
-            <a:extLst>
-              <a:ext uri="{FF2B5EF4-FFF2-40B4-BE49-F238E27FC236}">
-                <a16:creationId xmlns:a16="http://schemas.microsoft.com/office/drawing/2014/main" id="{6D9CD1D5-15AF-8B4A-A022-4F90E66F8D5B}"/>
+          <p:cNvPr id="12" name="Content Placeholder 4" descr="A screenshot of a cell phone&#10;&#10;Description automatically generated">
+            <a:extLst>
+              <a:ext uri="{FF2B5EF4-FFF2-40B4-BE49-F238E27FC236}">
+                <a16:creationId xmlns:a16="http://schemas.microsoft.com/office/drawing/2014/main" id="{B9931687-A52B-034B-BEF4-1A28E0831DD7}"/>
               </a:ext>
             </a:extLst>
           </p:cNvPr>
@@ -4682,38 +5624,8 @@
         </p:blipFill>
         <p:spPr>
           <a:xfrm>
-            <a:off x="6096000" y="109289"/>
-            <a:ext cx="5881745" cy="4592353"/>
-          </a:xfrm>
-          <a:prstGeom prst="rect">
-            <a:avLst/>
-          </a:prstGeom>
-        </p:spPr>
-      </p:pic>
-      <p:pic>
-        <p:nvPicPr>
-          <p:cNvPr id="12" name="Content Placeholder 4" descr="A screenshot of a cell phone&#10;&#10;Description automatically generated">
-            <a:extLst>
-              <a:ext uri="{FF2B5EF4-FFF2-40B4-BE49-F238E27FC236}">
-                <a16:creationId xmlns:a16="http://schemas.microsoft.com/office/drawing/2014/main" id="{B9931687-A52B-034B-BEF4-1A28E0831DD7}"/>
-              </a:ext>
-            </a:extLst>
-          </p:cNvPr>
-          <p:cNvPicPr>
-            <a:picLocks noChangeAspect="1"/>
-          </p:cNvPicPr>
-          <p:nvPr/>
-        </p:nvPicPr>
-        <p:blipFill>
-          <a:blip r:embed="rId4"/>
-          <a:stretch>
-            <a:fillRect/>
-          </a:stretch>
-        </p:blipFill>
-        <p:spPr>
-          <a:xfrm>
-            <a:off x="278392" y="4326209"/>
-            <a:ext cx="5786605" cy="2314642"/>
+            <a:off x="6489120" y="221156"/>
+            <a:ext cx="5318045" cy="2127218"/>
           </a:xfrm>
           <a:prstGeom prst="rect">
             <a:avLst/>
@@ -4721,6 +5633,428 @@
           <a:noFill/>
         </p:spPr>
       </p:pic>
+      <p:sp>
+        <p:nvSpPr>
+          <p:cNvPr id="8" name="Content Placeholder 4">
+            <a:extLst>
+              <a:ext uri="{FF2B5EF4-FFF2-40B4-BE49-F238E27FC236}">
+                <a16:creationId xmlns:a16="http://schemas.microsoft.com/office/drawing/2014/main" id="{03F2F0EC-C601-6C4D-BEDB-8E5396DC1A83}"/>
+              </a:ext>
+            </a:extLst>
+          </p:cNvPr>
+          <p:cNvSpPr txBox="1">
+            <a:spLocks/>
+          </p:cNvSpPr>
+          <p:nvPr/>
+        </p:nvSpPr>
+        <p:spPr>
+          <a:xfrm>
+            <a:off x="496111" y="622570"/>
+            <a:ext cx="5206771" cy="5248022"/>
+          </a:xfrm>
+          <a:prstGeom prst="rect">
+            <a:avLst/>
+          </a:prstGeom>
+        </p:spPr>
+        <p:txBody>
+          <a:bodyPr vert="horz" lIns="91440" tIns="45720" rIns="91440" bIns="45720" rtlCol="0">
+            <a:normAutofit/>
+          </a:bodyPr>
+          <a:lstStyle>
+            <a:lvl1pPr marL="228600" indent="-228600" algn="l" defTabSz="914400" rtl="0" eaLnBrk="1" latinLnBrk="0" hangingPunct="1">
+              <a:lnSpc>
+                <a:spcPct val="90000"/>
+              </a:lnSpc>
+              <a:spcBef>
+                <a:spcPts val="1000"/>
+              </a:spcBef>
+              <a:buFont typeface="Arial" panose="020B0604020202020204" pitchFamily="34" charset="0"/>
+              <a:buChar char="•"/>
+              <a:defRPr sz="2800" kern="1200">
+                <a:solidFill>
+                  <a:schemeClr val="tx1"/>
+                </a:solidFill>
+                <a:latin typeface="+mn-lt"/>
+                <a:ea typeface="+mn-ea"/>
+                <a:cs typeface="+mn-cs"/>
+              </a:defRPr>
+            </a:lvl1pPr>
+            <a:lvl2pPr marL="685800" indent="-228600" algn="l" defTabSz="914400" rtl="0" eaLnBrk="1" latinLnBrk="0" hangingPunct="1">
+              <a:lnSpc>
+                <a:spcPct val="90000"/>
+              </a:lnSpc>
+              <a:spcBef>
+                <a:spcPts val="500"/>
+              </a:spcBef>
+              <a:buFont typeface="Arial" panose="020B0604020202020204" pitchFamily="34" charset="0"/>
+              <a:buChar char="•"/>
+              <a:defRPr sz="2400" kern="1200">
+                <a:solidFill>
+                  <a:schemeClr val="tx1"/>
+                </a:solidFill>
+                <a:latin typeface="+mn-lt"/>
+                <a:ea typeface="+mn-ea"/>
+                <a:cs typeface="+mn-cs"/>
+              </a:defRPr>
+            </a:lvl2pPr>
+            <a:lvl3pPr marL="1143000" indent="-228600" algn="l" defTabSz="914400" rtl="0" eaLnBrk="1" latinLnBrk="0" hangingPunct="1">
+              <a:lnSpc>
+                <a:spcPct val="90000"/>
+              </a:lnSpc>
+              <a:spcBef>
+                <a:spcPts val="500"/>
+              </a:spcBef>
+              <a:buFont typeface="Arial" panose="020B0604020202020204" pitchFamily="34" charset="0"/>
+              <a:buChar char="•"/>
+              <a:defRPr sz="2000" kern="1200">
+                <a:solidFill>
+                  <a:schemeClr val="tx1"/>
+                </a:solidFill>
+                <a:latin typeface="+mn-lt"/>
+                <a:ea typeface="+mn-ea"/>
+                <a:cs typeface="+mn-cs"/>
+              </a:defRPr>
+            </a:lvl3pPr>
+            <a:lvl4pPr marL="1600200" indent="-228600" algn="l" defTabSz="914400" rtl="0" eaLnBrk="1" latinLnBrk="0" hangingPunct="1">
+              <a:lnSpc>
+                <a:spcPct val="90000"/>
+              </a:lnSpc>
+              <a:spcBef>
+                <a:spcPts val="500"/>
+              </a:spcBef>
+              <a:buFont typeface="Arial" panose="020B0604020202020204" pitchFamily="34" charset="0"/>
+              <a:buChar char="•"/>
+              <a:defRPr sz="1800" kern="1200">
+                <a:solidFill>
+                  <a:schemeClr val="tx1"/>
+                </a:solidFill>
+                <a:latin typeface="+mn-lt"/>
+                <a:ea typeface="+mn-ea"/>
+                <a:cs typeface="+mn-cs"/>
+              </a:defRPr>
+            </a:lvl4pPr>
+            <a:lvl5pPr marL="2057400" indent="-228600" algn="l" defTabSz="914400" rtl="0" eaLnBrk="1" latinLnBrk="0" hangingPunct="1">
+              <a:lnSpc>
+                <a:spcPct val="90000"/>
+              </a:lnSpc>
+              <a:spcBef>
+                <a:spcPts val="500"/>
+              </a:spcBef>
+              <a:buFont typeface="Arial" panose="020B0604020202020204" pitchFamily="34" charset="0"/>
+              <a:buChar char="•"/>
+              <a:defRPr sz="1800" kern="1200">
+                <a:solidFill>
+                  <a:schemeClr val="tx1"/>
+                </a:solidFill>
+                <a:latin typeface="+mn-lt"/>
+                <a:ea typeface="+mn-ea"/>
+                <a:cs typeface="+mn-cs"/>
+              </a:defRPr>
+            </a:lvl5pPr>
+            <a:lvl6pPr marL="2514600" indent="-228600" algn="l" defTabSz="914400" rtl="0" eaLnBrk="1" latinLnBrk="0" hangingPunct="1">
+              <a:lnSpc>
+                <a:spcPct val="90000"/>
+              </a:lnSpc>
+              <a:spcBef>
+                <a:spcPts val="500"/>
+              </a:spcBef>
+              <a:buFont typeface="Arial" panose="020B0604020202020204" pitchFamily="34" charset="0"/>
+              <a:buChar char="•"/>
+              <a:defRPr sz="1800" kern="1200">
+                <a:solidFill>
+                  <a:schemeClr val="tx1"/>
+                </a:solidFill>
+                <a:latin typeface="+mn-lt"/>
+                <a:ea typeface="+mn-ea"/>
+                <a:cs typeface="+mn-cs"/>
+              </a:defRPr>
+            </a:lvl6pPr>
+            <a:lvl7pPr marL="2971800" indent="-228600" algn="l" defTabSz="914400" rtl="0" eaLnBrk="1" latinLnBrk="0" hangingPunct="1">
+              <a:lnSpc>
+                <a:spcPct val="90000"/>
+              </a:lnSpc>
+              <a:spcBef>
+                <a:spcPts val="500"/>
+              </a:spcBef>
+              <a:buFont typeface="Arial" panose="020B0604020202020204" pitchFamily="34" charset="0"/>
+              <a:buChar char="•"/>
+              <a:defRPr sz="1800" kern="1200">
+                <a:solidFill>
+                  <a:schemeClr val="tx1"/>
+                </a:solidFill>
+                <a:latin typeface="+mn-lt"/>
+                <a:ea typeface="+mn-ea"/>
+                <a:cs typeface="+mn-cs"/>
+              </a:defRPr>
+            </a:lvl7pPr>
+            <a:lvl8pPr marL="3429000" indent="-228600" algn="l" defTabSz="914400" rtl="0" eaLnBrk="1" latinLnBrk="0" hangingPunct="1">
+              <a:lnSpc>
+                <a:spcPct val="90000"/>
+              </a:lnSpc>
+              <a:spcBef>
+                <a:spcPts val="500"/>
+              </a:spcBef>
+              <a:buFont typeface="Arial" panose="020B0604020202020204" pitchFamily="34" charset="0"/>
+              <a:buChar char="•"/>
+              <a:defRPr sz="1800" kern="1200">
+                <a:solidFill>
+                  <a:schemeClr val="tx1"/>
+                </a:solidFill>
+                <a:latin typeface="+mn-lt"/>
+                <a:ea typeface="+mn-ea"/>
+                <a:cs typeface="+mn-cs"/>
+              </a:defRPr>
+            </a:lvl8pPr>
+            <a:lvl9pPr marL="3886200" indent="-228600" algn="l" defTabSz="914400" rtl="0" eaLnBrk="1" latinLnBrk="0" hangingPunct="1">
+              <a:lnSpc>
+                <a:spcPct val="90000"/>
+              </a:lnSpc>
+              <a:spcBef>
+                <a:spcPts val="500"/>
+              </a:spcBef>
+              <a:buFont typeface="Arial" panose="020B0604020202020204" pitchFamily="34" charset="0"/>
+              <a:buChar char="•"/>
+              <a:defRPr sz="1800" kern="1200">
+                <a:solidFill>
+                  <a:schemeClr val="tx1"/>
+                </a:solidFill>
+                <a:latin typeface="+mn-lt"/>
+                <a:ea typeface="+mn-ea"/>
+                <a:cs typeface="+mn-cs"/>
+              </a:defRPr>
+            </a:lvl9pPr>
+          </a:lstStyle>
+          <a:p>
+            <a:r>
+              <a:rPr lang="en-AU" dirty="0">
+                <a:solidFill>
+                  <a:schemeClr val="bg1"/>
+                </a:solidFill>
+              </a:rPr>
+              <a:t>On the user clicking search the get request is made then..</a:t>
+            </a:r>
+          </a:p>
+          <a:p>
+            <a:r>
+              <a:rPr lang="en-AU" dirty="0">
+                <a:solidFill>
+                  <a:schemeClr val="bg1"/>
+                </a:solidFill>
+              </a:rPr>
+              <a:t>Using parameters given (including the text) Amazon Polly will then Synthesize the text into a URL  the HTML Audio player for output</a:t>
+            </a:r>
+          </a:p>
+          <a:p>
+            <a:r>
+              <a:rPr lang="en-AU" dirty="0">
+                <a:solidFill>
+                  <a:schemeClr val="bg1"/>
+                </a:solidFill>
+              </a:rPr>
+              <a:t>Amazon Polly will also process the URL into a clickable link</a:t>
+            </a:r>
+          </a:p>
+          <a:p>
+            <a:r>
+              <a:rPr lang="en-AU" dirty="0">
+                <a:solidFill>
+                  <a:schemeClr val="bg1"/>
+                </a:solidFill>
+              </a:rPr>
+              <a:t>The Article Title Will Output for reference</a:t>
+            </a:r>
+          </a:p>
+          <a:p>
+            <a:r>
+              <a:rPr lang="en-AU" dirty="0">
+                <a:solidFill>
+                  <a:schemeClr val="bg1"/>
+                </a:solidFill>
+              </a:rPr>
+              <a:t>Notification for ready to play</a:t>
+            </a:r>
+          </a:p>
+          <a:p>
+            <a:endParaRPr lang="en-US" dirty="0"/>
+          </a:p>
+        </p:txBody>
+      </p:sp>
+      <p:cxnSp>
+        <p:nvCxnSpPr>
+          <p:cNvPr id="10" name="Straight Arrow Connector 9">
+            <a:extLst>
+              <a:ext uri="{FF2B5EF4-FFF2-40B4-BE49-F238E27FC236}">
+                <a16:creationId xmlns:a16="http://schemas.microsoft.com/office/drawing/2014/main" id="{B26C43D4-AECA-DC48-B498-CE1C7373E383}"/>
+              </a:ext>
+            </a:extLst>
+          </p:cNvPr>
+          <p:cNvCxnSpPr>
+            <a:cxnSpLocks/>
+          </p:cNvCxnSpPr>
+          <p:nvPr/>
+        </p:nvCxnSpPr>
+        <p:spPr>
+          <a:xfrm>
+            <a:off x="5089842" y="1245557"/>
+            <a:ext cx="1273888" cy="1324648"/>
+          </a:xfrm>
+          <a:prstGeom prst="straightConnector1">
+            <a:avLst/>
+          </a:prstGeom>
+          <a:ln>
+            <a:solidFill>
+              <a:srgbClr val="92D050"/>
+            </a:solidFill>
+            <a:tailEnd type="triangle"/>
+          </a:ln>
+        </p:spPr>
+        <p:style>
+          <a:lnRef idx="1">
+            <a:schemeClr val="accent1"/>
+          </a:lnRef>
+          <a:fillRef idx="0">
+            <a:schemeClr val="accent1"/>
+          </a:fillRef>
+          <a:effectRef idx="0">
+            <a:schemeClr val="accent1"/>
+          </a:effectRef>
+          <a:fontRef idx="minor">
+            <a:schemeClr val="tx1"/>
+          </a:fontRef>
+        </p:style>
+      </p:cxnSp>
+      <p:cxnSp>
+        <p:nvCxnSpPr>
+          <p:cNvPr id="11" name="Straight Arrow Connector 10">
+            <a:extLst>
+              <a:ext uri="{FF2B5EF4-FFF2-40B4-BE49-F238E27FC236}">
+                <a16:creationId xmlns:a16="http://schemas.microsoft.com/office/drawing/2014/main" id="{09317617-F2FB-354E-BC40-1718D89456C0}"/>
+              </a:ext>
+            </a:extLst>
+          </p:cNvPr>
+          <p:cNvCxnSpPr>
+            <a:cxnSpLocks/>
+          </p:cNvCxnSpPr>
+          <p:nvPr/>
+        </p:nvCxnSpPr>
+        <p:spPr>
+          <a:xfrm>
+            <a:off x="5612944" y="2974540"/>
+            <a:ext cx="750786" cy="454460"/>
+          </a:xfrm>
+          <a:prstGeom prst="straightConnector1">
+            <a:avLst/>
+          </a:prstGeom>
+          <a:ln>
+            <a:solidFill>
+              <a:srgbClr val="92D050"/>
+            </a:solidFill>
+            <a:tailEnd type="triangle"/>
+          </a:ln>
+        </p:spPr>
+        <p:style>
+          <a:lnRef idx="1">
+            <a:schemeClr val="accent1"/>
+          </a:lnRef>
+          <a:fillRef idx="0">
+            <a:schemeClr val="accent1"/>
+          </a:fillRef>
+          <a:effectRef idx="0">
+            <a:schemeClr val="accent1"/>
+          </a:effectRef>
+          <a:fontRef idx="minor">
+            <a:schemeClr val="tx1"/>
+          </a:fontRef>
+        </p:style>
+      </p:cxnSp>
+      <p:cxnSp>
+        <p:nvCxnSpPr>
+          <p:cNvPr id="13" name="Straight Arrow Connector 12">
+            <a:extLst>
+              <a:ext uri="{FF2B5EF4-FFF2-40B4-BE49-F238E27FC236}">
+                <a16:creationId xmlns:a16="http://schemas.microsoft.com/office/drawing/2014/main" id="{EB3FAED7-DCBE-EC49-A51A-6388E2A9A875}"/>
+              </a:ext>
+            </a:extLst>
+          </p:cNvPr>
+          <p:cNvCxnSpPr>
+            <a:cxnSpLocks/>
+          </p:cNvCxnSpPr>
+          <p:nvPr/>
+        </p:nvCxnSpPr>
+        <p:spPr>
+          <a:xfrm>
+            <a:off x="4976000" y="4085788"/>
+            <a:ext cx="2153849" cy="1412969"/>
+          </a:xfrm>
+          <a:prstGeom prst="straightConnector1">
+            <a:avLst/>
+          </a:prstGeom>
+          <a:ln>
+            <a:solidFill>
+              <a:srgbClr val="92D050"/>
+            </a:solidFill>
+            <a:tailEnd type="triangle"/>
+          </a:ln>
+        </p:spPr>
+        <p:style>
+          <a:lnRef idx="1">
+            <a:schemeClr val="accent1"/>
+          </a:lnRef>
+          <a:fillRef idx="0">
+            <a:schemeClr val="accent1"/>
+          </a:fillRef>
+          <a:effectRef idx="0">
+            <a:schemeClr val="accent1"/>
+          </a:effectRef>
+          <a:fontRef idx="minor">
+            <a:schemeClr val="tx1"/>
+          </a:fontRef>
+        </p:style>
+      </p:cxnSp>
+      <p:cxnSp>
+        <p:nvCxnSpPr>
+          <p:cNvPr id="15" name="Straight Arrow Connector 14">
+            <a:extLst>
+              <a:ext uri="{FF2B5EF4-FFF2-40B4-BE49-F238E27FC236}">
+                <a16:creationId xmlns:a16="http://schemas.microsoft.com/office/drawing/2014/main" id="{393E8934-AB95-B542-B765-AF6EFCBDBD52}"/>
+              </a:ext>
+            </a:extLst>
+          </p:cNvPr>
+          <p:cNvCxnSpPr>
+            <a:cxnSpLocks/>
+          </p:cNvCxnSpPr>
+          <p:nvPr/>
+        </p:nvCxnSpPr>
+        <p:spPr>
+          <a:xfrm>
+            <a:off x="4976000" y="5498757"/>
+            <a:ext cx="2153849" cy="330523"/>
+          </a:xfrm>
+          <a:prstGeom prst="straightConnector1">
+            <a:avLst/>
+          </a:prstGeom>
+          <a:ln>
+            <a:solidFill>
+              <a:srgbClr val="92D050"/>
+            </a:solidFill>
+            <a:tailEnd type="triangle"/>
+          </a:ln>
+        </p:spPr>
+        <p:style>
+          <a:lnRef idx="1">
+            <a:schemeClr val="accent1"/>
+          </a:lnRef>
+          <a:fillRef idx="0">
+            <a:schemeClr val="accent1"/>
+          </a:fillRef>
+          <a:effectRef idx="0">
+            <a:schemeClr val="accent1"/>
+          </a:effectRef>
+          <a:fontRef idx="minor">
+            <a:schemeClr val="tx1"/>
+          </a:fontRef>
+        </p:style>
+      </p:cxnSp>
     </p:spTree>
     <p:extLst>
       <p:ext uri="{BB962C8B-B14F-4D97-AF65-F5344CB8AC3E}">
@@ -4820,7 +6154,7 @@
                   <a:schemeClr val="bg1"/>
                 </a:solidFill>
               </a:rPr>
-              <a:t>- User being able to input their email address for the file to be sent to them</a:t>
+              <a:t>User being able to input their email address for the file to be sent to them</a:t>
             </a:r>
           </a:p>
           <a:p>
@@ -4830,7 +6164,7 @@
                   <a:schemeClr val="bg1"/>
                 </a:solidFill>
               </a:rPr>
-              <a:t>- Fine tuning of the text scraping so most articles would be compatible(Node Module Puppeteer would allow for this, however can only be used with a server)</a:t>
+              <a:t>Fine tuning of the text scraping so most articles would be compatible(Node Module Puppeteer would allow for this, however can only be used with a server)</a:t>
             </a:r>
           </a:p>
           <a:p>
@@ -4840,7 +6174,7 @@
                   <a:schemeClr val="bg1"/>
                 </a:solidFill>
               </a:rPr>
-              <a:t>- The output file being a downloadable audio file</a:t>
+              <a:t>The output file being a downloadable audio file</a:t>
             </a:r>
           </a:p>
           <a:p>
@@ -4850,7 +6184,7 @@
                   <a:schemeClr val="bg1"/>
                 </a:solidFill>
               </a:rPr>
-              <a:t>- Change reading voice options</a:t>
+              <a:t>Change reading voice options</a:t>
             </a:r>
           </a:p>
           <a:p>

--- a/pres.pptx
+++ b/pres.pptx
@@ -4252,10 +4252,8 @@
                   <a:schemeClr val="bg1"/>
                 </a:solidFill>
               </a:rPr>
-              <a:t>Purpose? An alternative to reading through articles without bumping into annoying ads, also being able to listen to them on the go</a:t>
-            </a:r>
-          </a:p>
-          <a:p>
+              <a:t>Purpose? An alternative to reading through articles being able to listen to them instead of reading. Extra convenience for article reading, whether on the go, driving, public transport, or simply prefer listening over reading.  It is also is useful as filters out any unnecessary text and ads. </a:t>
+            </a:r>
             <a:endParaRPr lang="en-US" dirty="0">
               <a:solidFill>
                 <a:schemeClr val="bg1"/>
@@ -4585,7 +4583,7 @@
                   <a:schemeClr val="bg1"/>
                 </a:solidFill>
               </a:rPr>
-              <a:t> Anywhere for Cross Origin usage</a:t>
+              <a:t> Anywhere proxy</a:t>
             </a:r>
           </a:p>
           <a:p>
@@ -6184,7 +6182,33 @@
                   <a:schemeClr val="bg1"/>
                 </a:solidFill>
               </a:rPr>
-              <a:t>Change reading voice options</a:t>
+              <a:t>Settings Page: Choose Voice, speaking speed and other optional parameters</a:t>
+            </a:r>
+          </a:p>
+          <a:p>
+            <a:r>
+              <a:rPr lang="en-AU" dirty="0">
+                <a:solidFill>
+                  <a:schemeClr val="bg1"/>
+                </a:solidFill>
+              </a:rPr>
+              <a:t>Fine tuning validation- </a:t>
+            </a:r>
+            <a:r>
+              <a:rPr lang="en-AU" dirty="0" err="1">
+                <a:solidFill>
+                  <a:schemeClr val="bg1"/>
+                </a:solidFill>
+              </a:rPr>
+              <a:t>Url</a:t>
+            </a:r>
+            <a:r>
+              <a:rPr lang="en-AU" dirty="0">
+                <a:solidFill>
+                  <a:schemeClr val="bg1"/>
+                </a:solidFill>
+              </a:rPr>
+              <a:t> validator, errors for invalid etc</a:t>
             </a:r>
           </a:p>
           <a:p>
